--- a/reference-documents/presentation.pptx
+++ b/reference-documents/presentation.pptx
@@ -7,6 +7,9 @@
   <p:sldIdLst>
     <p:sldId id="257" r:id="rId2"/>
     <p:sldId id="256" r:id="rId3"/>
+    <p:sldId id="258" r:id="rId4"/>
+    <p:sldId id="259" r:id="rId5"/>
+    <p:sldId id="260" r:id="rId6"/>
   </p:sldIdLst>
   <p:sldSz cx="12192000" cy="6858000"/>
   <p:notesSz cx="6858000" cy="9144000"/>
@@ -260,7 +263,7 @@
           <a:p>
             <a:fld id="{248756A2-954A-46EF-89A9-C0CB2FE8EE2D}" type="datetimeFigureOut">
               <a:rPr lang="en-US" smtClean="0"/>
-              <a:t>1/23/2025</a:t>
+              <a:t>2/2/2025</a:t>
             </a:fld>
             <a:endParaRPr lang="en-US"/>
           </a:p>
@@ -458,7 +461,7 @@
           <a:p>
             <a:fld id="{248756A2-954A-46EF-89A9-C0CB2FE8EE2D}" type="datetimeFigureOut">
               <a:rPr lang="en-US" smtClean="0"/>
-              <a:t>1/23/2025</a:t>
+              <a:t>2/2/2025</a:t>
             </a:fld>
             <a:endParaRPr lang="en-US"/>
           </a:p>
@@ -666,7 +669,7 @@
           <a:p>
             <a:fld id="{248756A2-954A-46EF-89A9-C0CB2FE8EE2D}" type="datetimeFigureOut">
               <a:rPr lang="en-US" smtClean="0"/>
-              <a:t>1/23/2025</a:t>
+              <a:t>2/2/2025</a:t>
             </a:fld>
             <a:endParaRPr lang="en-US"/>
           </a:p>
@@ -864,7 +867,7 @@
           <a:p>
             <a:fld id="{248756A2-954A-46EF-89A9-C0CB2FE8EE2D}" type="datetimeFigureOut">
               <a:rPr lang="en-US" smtClean="0"/>
-              <a:t>1/23/2025</a:t>
+              <a:t>2/2/2025</a:t>
             </a:fld>
             <a:endParaRPr lang="en-US"/>
           </a:p>
@@ -1139,7 +1142,7 @@
           <a:p>
             <a:fld id="{248756A2-954A-46EF-89A9-C0CB2FE8EE2D}" type="datetimeFigureOut">
               <a:rPr lang="en-US" smtClean="0"/>
-              <a:t>1/23/2025</a:t>
+              <a:t>2/2/2025</a:t>
             </a:fld>
             <a:endParaRPr lang="en-US"/>
           </a:p>
@@ -1404,7 +1407,7 @@
           <a:p>
             <a:fld id="{248756A2-954A-46EF-89A9-C0CB2FE8EE2D}" type="datetimeFigureOut">
               <a:rPr lang="en-US" smtClean="0"/>
-              <a:t>1/23/2025</a:t>
+              <a:t>2/2/2025</a:t>
             </a:fld>
             <a:endParaRPr lang="en-US"/>
           </a:p>
@@ -1816,7 +1819,7 @@
           <a:p>
             <a:fld id="{248756A2-954A-46EF-89A9-C0CB2FE8EE2D}" type="datetimeFigureOut">
               <a:rPr lang="en-US" smtClean="0"/>
-              <a:t>1/23/2025</a:t>
+              <a:t>2/2/2025</a:t>
             </a:fld>
             <a:endParaRPr lang="en-US"/>
           </a:p>
@@ -1957,7 +1960,7 @@
           <a:p>
             <a:fld id="{248756A2-954A-46EF-89A9-C0CB2FE8EE2D}" type="datetimeFigureOut">
               <a:rPr lang="en-US" smtClean="0"/>
-              <a:t>1/23/2025</a:t>
+              <a:t>2/2/2025</a:t>
             </a:fld>
             <a:endParaRPr lang="en-US"/>
           </a:p>
@@ -2070,7 +2073,7 @@
           <a:p>
             <a:fld id="{248756A2-954A-46EF-89A9-C0CB2FE8EE2D}" type="datetimeFigureOut">
               <a:rPr lang="en-US" smtClean="0"/>
-              <a:t>1/23/2025</a:t>
+              <a:t>2/2/2025</a:t>
             </a:fld>
             <a:endParaRPr lang="en-US"/>
           </a:p>
@@ -2381,7 +2384,7 @@
           <a:p>
             <a:fld id="{248756A2-954A-46EF-89A9-C0CB2FE8EE2D}" type="datetimeFigureOut">
               <a:rPr lang="en-US" smtClean="0"/>
-              <a:t>1/23/2025</a:t>
+              <a:t>2/2/2025</a:t>
             </a:fld>
             <a:endParaRPr lang="en-US"/>
           </a:p>
@@ -2669,7 +2672,7 @@
           <a:p>
             <a:fld id="{248756A2-954A-46EF-89A9-C0CB2FE8EE2D}" type="datetimeFigureOut">
               <a:rPr lang="en-US" smtClean="0"/>
-              <a:t>1/23/2025</a:t>
+              <a:t>2/2/2025</a:t>
             </a:fld>
             <a:endParaRPr lang="en-US"/>
           </a:p>
@@ -2910,7 +2913,7 @@
           <a:p>
             <a:fld id="{248756A2-954A-46EF-89A9-C0CB2FE8EE2D}" type="datetimeFigureOut">
               <a:rPr lang="en-US" smtClean="0"/>
-              <a:t>1/23/2025</a:t>
+              <a:t>2/2/2025</a:t>
             </a:fld>
             <a:endParaRPr lang="en-US"/>
           </a:p>
@@ -3402,6 +3405,47 @@
           </a:prstGeom>
         </p:spPr>
       </p:pic>
+      <p:sp>
+        <p:nvSpPr>
+          <p:cNvPr id="2" name="TextBox 1">
+            <a:extLst>
+              <a:ext uri="{FF2B5EF4-FFF2-40B4-BE49-F238E27FC236}">
+                <a16:creationId xmlns:a16="http://schemas.microsoft.com/office/drawing/2014/main" id="{C57D3011-247D-5F54-A2CA-ACEBFBB21F99}"/>
+              </a:ext>
+            </a:extLst>
+          </p:cNvPr>
+          <p:cNvSpPr txBox="1"/>
+          <p:nvPr/>
+        </p:nvSpPr>
+        <p:spPr>
+          <a:xfrm>
+            <a:off x="480389" y="5762142"/>
+            <a:ext cx="6195805" cy="523220"/>
+          </a:xfrm>
+          <a:prstGeom prst="rect">
+            <a:avLst/>
+          </a:prstGeom>
+          <a:noFill/>
+        </p:spPr>
+        <p:txBody>
+          <a:bodyPr wrap="square" rtlCol="0">
+            <a:spAutoFit/>
+          </a:bodyPr>
+          <a:lstStyle/>
+          <a:p>
+            <a:r>
+              <a:rPr lang="en-US" sz="1400" b="1" dirty="0"/>
+              <a:t>**If you have not filled the pre-workshop questionnaire please fill it now**</a:t>
+            </a:r>
+          </a:p>
+          <a:p>
+            <a:r>
+              <a:rPr lang="en-US" sz="1400" b="1" dirty="0"/>
+              <a:t>*Link is available in the QR Code</a:t>
+            </a:r>
+          </a:p>
+        </p:txBody>
+      </p:sp>
     </p:spTree>
     <p:extLst>
       <p:ext uri="{BB962C8B-B14F-4D97-AF65-F5344CB8AC3E}">
@@ -3513,6 +3557,2739 @@
     <p:extLst>
       <p:ext uri="{BB962C8B-B14F-4D97-AF65-F5344CB8AC3E}">
         <p14:creationId xmlns:p14="http://schemas.microsoft.com/office/powerpoint/2010/main" val="4167131128"/>
+      </p:ext>
+    </p:extLst>
+  </p:cSld>
+  <p:clrMapOvr>
+    <a:masterClrMapping/>
+  </p:clrMapOvr>
+</p:sld>
+</file>
+
+<file path=ppt/slides/slide3.xml><?xml version="1.0" encoding="utf-8"?>
+<p:sld xmlns:a="http://schemas.openxmlformats.org/drawingml/2006/main" xmlns:r="http://schemas.openxmlformats.org/officeDocument/2006/relationships" xmlns:p="http://schemas.openxmlformats.org/presentationml/2006/main">
+  <p:cSld>
+    <p:spTree>
+      <p:nvGrpSpPr>
+        <p:cNvPr id="1" name=""/>
+        <p:cNvGrpSpPr/>
+        <p:nvPr/>
+      </p:nvGrpSpPr>
+      <p:grpSpPr>
+        <a:xfrm>
+          <a:off x="0" y="0"/>
+          <a:ext cx="0" cy="0"/>
+          <a:chOff x="0" y="0"/>
+          <a:chExt cx="0" cy="0"/>
+        </a:xfrm>
+      </p:grpSpPr>
+      <p:sp>
+        <p:nvSpPr>
+          <p:cNvPr id="47" name="Rectangle: Rounded Corners 46">
+            <a:extLst>
+              <a:ext uri="{FF2B5EF4-FFF2-40B4-BE49-F238E27FC236}">
+                <a16:creationId xmlns:a16="http://schemas.microsoft.com/office/drawing/2014/main" id="{676A3D25-4BAD-BF90-0F93-50E3E61F6D2E}"/>
+              </a:ext>
+            </a:extLst>
+          </p:cNvPr>
+          <p:cNvSpPr/>
+          <p:nvPr/>
+        </p:nvSpPr>
+        <p:spPr>
+          <a:xfrm>
+            <a:off x="3299047" y="4522306"/>
+            <a:ext cx="8649072" cy="2126307"/>
+          </a:xfrm>
+          <a:prstGeom prst="roundRect">
+            <a:avLst/>
+          </a:prstGeom>
+          <a:solidFill>
+            <a:schemeClr val="tx2">
+              <a:lumMod val="10000"/>
+              <a:lumOff val="90000"/>
+            </a:schemeClr>
+          </a:solidFill>
+        </p:spPr>
+        <p:style>
+          <a:lnRef idx="2">
+            <a:schemeClr val="accent1">
+              <a:shade val="15000"/>
+            </a:schemeClr>
+          </a:lnRef>
+          <a:fillRef idx="1">
+            <a:schemeClr val="accent1"/>
+          </a:fillRef>
+          <a:effectRef idx="0">
+            <a:schemeClr val="accent1"/>
+          </a:effectRef>
+          <a:fontRef idx="minor">
+            <a:schemeClr val="lt1"/>
+          </a:fontRef>
+        </p:style>
+        <p:txBody>
+          <a:bodyPr rtlCol="0" anchor="ctr"/>
+          <a:lstStyle/>
+          <a:p>
+            <a:pPr algn="ctr"/>
+            <a:endParaRPr lang="en-US"/>
+          </a:p>
+        </p:txBody>
+      </p:sp>
+      <p:sp>
+        <p:nvSpPr>
+          <p:cNvPr id="42" name="Rectangle: Rounded Corners 41">
+            <a:extLst>
+              <a:ext uri="{FF2B5EF4-FFF2-40B4-BE49-F238E27FC236}">
+                <a16:creationId xmlns:a16="http://schemas.microsoft.com/office/drawing/2014/main" id="{B5548424-D725-B07A-7979-8F2B13179BA3}"/>
+              </a:ext>
+            </a:extLst>
+          </p:cNvPr>
+          <p:cNvSpPr/>
+          <p:nvPr/>
+        </p:nvSpPr>
+        <p:spPr>
+          <a:xfrm>
+            <a:off x="5118156" y="3323436"/>
+            <a:ext cx="6702783" cy="1048639"/>
+          </a:xfrm>
+          <a:prstGeom prst="roundRect">
+            <a:avLst/>
+          </a:prstGeom>
+          <a:solidFill>
+            <a:schemeClr val="tx2">
+              <a:lumMod val="10000"/>
+              <a:lumOff val="90000"/>
+            </a:schemeClr>
+          </a:solidFill>
+        </p:spPr>
+        <p:style>
+          <a:lnRef idx="2">
+            <a:schemeClr val="accent1">
+              <a:shade val="15000"/>
+            </a:schemeClr>
+          </a:lnRef>
+          <a:fillRef idx="1">
+            <a:schemeClr val="accent1"/>
+          </a:fillRef>
+          <a:effectRef idx="0">
+            <a:schemeClr val="accent1"/>
+          </a:effectRef>
+          <a:fontRef idx="minor">
+            <a:schemeClr val="lt1"/>
+          </a:fontRef>
+        </p:style>
+        <p:txBody>
+          <a:bodyPr rtlCol="0" anchor="ctr"/>
+          <a:lstStyle/>
+          <a:p>
+            <a:pPr algn="ctr"/>
+            <a:endParaRPr lang="en-US"/>
+          </a:p>
+        </p:txBody>
+      </p:sp>
+      <p:sp>
+        <p:nvSpPr>
+          <p:cNvPr id="37" name="Rectangle: Rounded Corners 36">
+            <a:extLst>
+              <a:ext uri="{FF2B5EF4-FFF2-40B4-BE49-F238E27FC236}">
+                <a16:creationId xmlns:a16="http://schemas.microsoft.com/office/drawing/2014/main" id="{F74F904E-D7CD-3149-4234-E2B70C7DA676}"/>
+              </a:ext>
+            </a:extLst>
+          </p:cNvPr>
+          <p:cNvSpPr/>
+          <p:nvPr/>
+        </p:nvSpPr>
+        <p:spPr>
+          <a:xfrm>
+            <a:off x="7731473" y="18681"/>
+            <a:ext cx="4141305" cy="3185567"/>
+          </a:xfrm>
+          <a:prstGeom prst="roundRect">
+            <a:avLst/>
+          </a:prstGeom>
+          <a:solidFill>
+            <a:schemeClr val="tx2">
+              <a:lumMod val="10000"/>
+              <a:lumOff val="90000"/>
+            </a:schemeClr>
+          </a:solidFill>
+        </p:spPr>
+        <p:style>
+          <a:lnRef idx="2">
+            <a:schemeClr val="accent1">
+              <a:shade val="15000"/>
+            </a:schemeClr>
+          </a:lnRef>
+          <a:fillRef idx="1">
+            <a:schemeClr val="accent1"/>
+          </a:fillRef>
+          <a:effectRef idx="0">
+            <a:schemeClr val="accent1"/>
+          </a:effectRef>
+          <a:fontRef idx="minor">
+            <a:schemeClr val="lt1"/>
+          </a:fontRef>
+        </p:style>
+        <p:txBody>
+          <a:bodyPr rtlCol="0" anchor="ctr"/>
+          <a:lstStyle/>
+          <a:p>
+            <a:pPr algn="ctr"/>
+            <a:endParaRPr lang="en-US"/>
+          </a:p>
+        </p:txBody>
+      </p:sp>
+      <p:sp>
+        <p:nvSpPr>
+          <p:cNvPr id="34" name="Rectangle: Rounded Corners 33">
+            <a:extLst>
+              <a:ext uri="{FF2B5EF4-FFF2-40B4-BE49-F238E27FC236}">
+                <a16:creationId xmlns:a16="http://schemas.microsoft.com/office/drawing/2014/main" id="{7230F1A5-5592-E75B-D248-DCD7F61CA500}"/>
+              </a:ext>
+            </a:extLst>
+          </p:cNvPr>
+          <p:cNvSpPr/>
+          <p:nvPr/>
+        </p:nvSpPr>
+        <p:spPr>
+          <a:xfrm>
+            <a:off x="3299791" y="59635"/>
+            <a:ext cx="4141305" cy="3185567"/>
+          </a:xfrm>
+          <a:prstGeom prst="roundRect">
+            <a:avLst/>
+          </a:prstGeom>
+          <a:solidFill>
+            <a:schemeClr val="tx2">
+              <a:lumMod val="10000"/>
+              <a:lumOff val="90000"/>
+            </a:schemeClr>
+          </a:solidFill>
+        </p:spPr>
+        <p:style>
+          <a:lnRef idx="2">
+            <a:schemeClr val="accent1">
+              <a:shade val="15000"/>
+            </a:schemeClr>
+          </a:lnRef>
+          <a:fillRef idx="1">
+            <a:schemeClr val="accent1"/>
+          </a:fillRef>
+          <a:effectRef idx="0">
+            <a:schemeClr val="accent1"/>
+          </a:effectRef>
+          <a:fontRef idx="minor">
+            <a:schemeClr val="lt1"/>
+          </a:fontRef>
+        </p:style>
+        <p:txBody>
+          <a:bodyPr rtlCol="0" anchor="ctr"/>
+          <a:lstStyle/>
+          <a:p>
+            <a:pPr algn="ctr"/>
+            <a:endParaRPr lang="en-US"/>
+          </a:p>
+        </p:txBody>
+      </p:sp>
+      <p:sp>
+        <p:nvSpPr>
+          <p:cNvPr id="7" name="TextBox 6">
+            <a:extLst>
+              <a:ext uri="{FF2B5EF4-FFF2-40B4-BE49-F238E27FC236}">
+                <a16:creationId xmlns:a16="http://schemas.microsoft.com/office/drawing/2014/main" id="{3A831F5B-5DA0-6362-2B06-F4C57EC1C301}"/>
+              </a:ext>
+            </a:extLst>
+          </p:cNvPr>
+          <p:cNvSpPr txBox="1"/>
+          <p:nvPr/>
+        </p:nvSpPr>
+        <p:spPr>
+          <a:xfrm rot="16200000">
+            <a:off x="-1859340" y="1859342"/>
+            <a:ext cx="6858002" cy="3139321"/>
+          </a:xfrm>
+          <a:prstGeom prst="rect">
+            <a:avLst/>
+          </a:prstGeom>
+          <a:solidFill>
+            <a:schemeClr val="tx1"/>
+          </a:solidFill>
+        </p:spPr>
+        <p:txBody>
+          <a:bodyPr wrap="square" rtlCol="0">
+            <a:spAutoFit/>
+          </a:bodyPr>
+          <a:lstStyle/>
+          <a:p>
+            <a:r>
+              <a:rPr lang="en-US" sz="6600" dirty="0">
+                <a:solidFill>
+                  <a:schemeClr val="bg1"/>
+                </a:solidFill>
+              </a:rPr>
+              <a:t>System Architecture Simplified (Azure)</a:t>
+            </a:r>
+          </a:p>
+        </p:txBody>
+      </p:sp>
+      <p:pic>
+        <p:nvPicPr>
+          <p:cNvPr id="3" name="Picture 2">
+            <a:extLst>
+              <a:ext uri="{FF2B5EF4-FFF2-40B4-BE49-F238E27FC236}">
+                <a16:creationId xmlns:a16="http://schemas.microsoft.com/office/drawing/2014/main" id="{B968F901-18A7-981D-822D-C5A4719AE592}"/>
+              </a:ext>
+            </a:extLst>
+          </p:cNvPr>
+          <p:cNvPicPr>
+            <a:picLocks noChangeAspect="1"/>
+          </p:cNvPicPr>
+          <p:nvPr/>
+        </p:nvPicPr>
+        <p:blipFill>
+          <a:blip r:embed="rId2"/>
+          <a:stretch>
+            <a:fillRect/>
+          </a:stretch>
+        </p:blipFill>
+        <p:spPr>
+          <a:xfrm>
+            <a:off x="3643627" y="129210"/>
+            <a:ext cx="513520" cy="513520"/>
+          </a:xfrm>
+          <a:prstGeom prst="rect">
+            <a:avLst/>
+          </a:prstGeom>
+        </p:spPr>
+      </p:pic>
+      <p:pic>
+        <p:nvPicPr>
+          <p:cNvPr id="1026" name="Picture 2" descr="Create Azure Data Factory Pipeline | K21Academy">
+            <a:extLst>
+              <a:ext uri="{FF2B5EF4-FFF2-40B4-BE49-F238E27FC236}">
+                <a16:creationId xmlns:a16="http://schemas.microsoft.com/office/drawing/2014/main" id="{23D38815-D7AC-B5F0-2F14-C6D1B645B52B}"/>
+              </a:ext>
+            </a:extLst>
+          </p:cNvPr>
+          <p:cNvPicPr>
+            <a:picLocks noChangeAspect="1" noChangeArrowheads="1"/>
+          </p:cNvPicPr>
+          <p:nvPr/>
+        </p:nvPicPr>
+        <p:blipFill>
+          <a:blip r:embed="rId3">
+            <a:extLst>
+              <a:ext uri="{28A0092B-C50C-407E-A947-70E740481C1C}">
+                <a14:useLocalDpi xmlns:a14="http://schemas.microsoft.com/office/drawing/2010/main" val="0"/>
+              </a:ext>
+            </a:extLst>
+          </a:blip>
+          <a:srcRect/>
+          <a:stretch>
+            <a:fillRect/>
+          </a:stretch>
+        </p:blipFill>
+        <p:spPr bwMode="auto">
+          <a:xfrm>
+            <a:off x="5153542" y="149838"/>
+            <a:ext cx="2371585" cy="1245082"/>
+          </a:xfrm>
+          <a:prstGeom prst="rect">
+            <a:avLst/>
+          </a:prstGeom>
+          <a:noFill/>
+          <a:extLst>
+            <a:ext uri="{909E8E84-426E-40DD-AFC4-6F175D3DCCD1}">
+              <a14:hiddenFill xmlns:a14="http://schemas.microsoft.com/office/drawing/2010/main">
+                <a:solidFill>
+                  <a:srgbClr val="FFFFFF"/>
+                </a:solidFill>
+              </a14:hiddenFill>
+            </a:ext>
+          </a:extLst>
+        </p:spPr>
+      </p:pic>
+      <p:pic>
+        <p:nvPicPr>
+          <p:cNvPr id="1028" name="Picture 4" descr="Informatica | LinkedIn">
+            <a:extLst>
+              <a:ext uri="{FF2B5EF4-FFF2-40B4-BE49-F238E27FC236}">
+                <a16:creationId xmlns:a16="http://schemas.microsoft.com/office/drawing/2014/main" id="{22E7E426-D8E5-ADB4-4FFC-F45029005E67}"/>
+              </a:ext>
+            </a:extLst>
+          </p:cNvPr>
+          <p:cNvPicPr>
+            <a:picLocks noChangeAspect="1" noChangeArrowheads="1"/>
+          </p:cNvPicPr>
+          <p:nvPr/>
+        </p:nvPicPr>
+        <p:blipFill>
+          <a:blip r:embed="rId4">
+            <a:extLst>
+              <a:ext uri="{BEBA8EAE-BF5A-486C-A8C5-ECC9F3942E4B}">
+                <a14:imgProps xmlns:a14="http://schemas.microsoft.com/office/drawing/2010/main">
+                  <a14:imgLayer r:embed="rId5">
+                    <a14:imgEffect>
+                      <a14:backgroundRemoval t="10000" b="90000" l="10000" r="90000">
+                        <a14:foregroundMark x1="58500" y1="24500" x2="81000" y2="56000"/>
+                        <a14:foregroundMark x1="81000" y1="56000" x2="53500" y2="57000"/>
+                        <a14:foregroundMark x1="53500" y1="57000" x2="70000" y2="52500"/>
+                        <a14:foregroundMark x1="52500" y1="51500" x2="68500" y2="50000"/>
+                        <a14:backgroundMark x1="45500" y1="51500" x2="45500" y2="51500"/>
+                      </a14:backgroundRemoval>
+                    </a14:imgEffect>
+                  </a14:imgLayer>
+                </a14:imgProps>
+              </a:ext>
+              <a:ext uri="{28A0092B-C50C-407E-A947-70E740481C1C}">
+                <a14:useLocalDpi xmlns:a14="http://schemas.microsoft.com/office/drawing/2010/main" val="0"/>
+              </a:ext>
+            </a:extLst>
+          </a:blip>
+          <a:srcRect/>
+          <a:stretch>
+            <a:fillRect/>
+          </a:stretch>
+        </p:blipFill>
+        <p:spPr bwMode="auto">
+          <a:xfrm>
+            <a:off x="8180629" y="-19887"/>
+            <a:ext cx="810038" cy="810038"/>
+          </a:xfrm>
+          <a:prstGeom prst="rect">
+            <a:avLst/>
+          </a:prstGeom>
+          <a:noFill/>
+          <a:extLst>
+            <a:ext uri="{909E8E84-426E-40DD-AFC4-6F175D3DCCD1}">
+              <a14:hiddenFill xmlns:a14="http://schemas.microsoft.com/office/drawing/2010/main">
+                <a:solidFill>
+                  <a:srgbClr val="FFFFFF"/>
+                </a:solidFill>
+              </a14:hiddenFill>
+            </a:ext>
+          </a:extLst>
+        </p:spPr>
+      </p:pic>
+      <p:pic>
+        <p:nvPicPr>
+          <p:cNvPr id="8" name="Picture 7">
+            <a:extLst>
+              <a:ext uri="{FF2B5EF4-FFF2-40B4-BE49-F238E27FC236}">
+                <a16:creationId xmlns:a16="http://schemas.microsoft.com/office/drawing/2014/main" id="{CCE319C4-6425-B34D-6A0C-250EC6413B5C}"/>
+              </a:ext>
+            </a:extLst>
+          </p:cNvPr>
+          <p:cNvPicPr>
+            <a:picLocks noChangeAspect="1"/>
+          </p:cNvPicPr>
+          <p:nvPr/>
+        </p:nvPicPr>
+        <p:blipFill>
+          <a:blip r:embed="rId6"/>
+          <a:stretch>
+            <a:fillRect/>
+          </a:stretch>
+        </p:blipFill>
+        <p:spPr>
+          <a:xfrm>
+            <a:off x="10636997" y="1611464"/>
+            <a:ext cx="951315" cy="951315"/>
+          </a:xfrm>
+          <a:prstGeom prst="rect">
+            <a:avLst/>
+          </a:prstGeom>
+        </p:spPr>
+      </p:pic>
+      <p:pic>
+        <p:nvPicPr>
+          <p:cNvPr id="10" name="Picture 9">
+            <a:extLst>
+              <a:ext uri="{FF2B5EF4-FFF2-40B4-BE49-F238E27FC236}">
+                <a16:creationId xmlns:a16="http://schemas.microsoft.com/office/drawing/2014/main" id="{CFD27FC2-2FA0-4E25-AA72-B653412A046A}"/>
+              </a:ext>
+            </a:extLst>
+          </p:cNvPr>
+          <p:cNvPicPr>
+            <a:picLocks noChangeAspect="1"/>
+          </p:cNvPicPr>
+          <p:nvPr/>
+        </p:nvPicPr>
+        <p:blipFill>
+          <a:blip r:embed="rId7"/>
+          <a:stretch>
+            <a:fillRect/>
+          </a:stretch>
+        </p:blipFill>
+        <p:spPr>
+          <a:xfrm>
+            <a:off x="9203541" y="664770"/>
+            <a:ext cx="1074407" cy="1074407"/>
+          </a:xfrm>
+          <a:prstGeom prst="rect">
+            <a:avLst/>
+          </a:prstGeom>
+        </p:spPr>
+      </p:pic>
+      <p:pic>
+        <p:nvPicPr>
+          <p:cNvPr id="12" name="Picture 11">
+            <a:extLst>
+              <a:ext uri="{FF2B5EF4-FFF2-40B4-BE49-F238E27FC236}">
+                <a16:creationId xmlns:a16="http://schemas.microsoft.com/office/drawing/2014/main" id="{4F218CBB-CFD6-CE63-9C58-DD9FB377746F}"/>
+              </a:ext>
+            </a:extLst>
+          </p:cNvPr>
+          <p:cNvPicPr>
+            <a:picLocks noChangeAspect="1"/>
+          </p:cNvPicPr>
+          <p:nvPr/>
+        </p:nvPicPr>
+        <p:blipFill>
+          <a:blip r:embed="rId8"/>
+          <a:stretch>
+            <a:fillRect/>
+          </a:stretch>
+        </p:blipFill>
+        <p:spPr>
+          <a:xfrm>
+            <a:off x="7902562" y="3356108"/>
+            <a:ext cx="858124" cy="858124"/>
+          </a:xfrm>
+          <a:prstGeom prst="rect">
+            <a:avLst/>
+          </a:prstGeom>
+        </p:spPr>
+      </p:pic>
+      <p:pic>
+        <p:nvPicPr>
+          <p:cNvPr id="13" name="Picture 12">
+            <a:extLst>
+              <a:ext uri="{FF2B5EF4-FFF2-40B4-BE49-F238E27FC236}">
+                <a16:creationId xmlns:a16="http://schemas.microsoft.com/office/drawing/2014/main" id="{23C26681-FBB0-5FC4-BE3E-9A2450B14E08}"/>
+              </a:ext>
+            </a:extLst>
+          </p:cNvPr>
+          <p:cNvPicPr>
+            <a:picLocks noChangeAspect="1"/>
+          </p:cNvPicPr>
+          <p:nvPr/>
+        </p:nvPicPr>
+        <p:blipFill>
+          <a:blip r:embed="rId6"/>
+          <a:stretch>
+            <a:fillRect/>
+          </a:stretch>
+        </p:blipFill>
+        <p:spPr>
+          <a:xfrm>
+            <a:off x="10480968" y="4941496"/>
+            <a:ext cx="936416" cy="936416"/>
+          </a:xfrm>
+          <a:prstGeom prst="rect">
+            <a:avLst/>
+          </a:prstGeom>
+        </p:spPr>
+      </p:pic>
+      <p:pic>
+        <p:nvPicPr>
+          <p:cNvPr id="1034" name="Picture 10" descr="Microsoft Power BI 3D Icon - Free Download Appliances 3D Icons | IconScout">
+            <a:extLst>
+              <a:ext uri="{FF2B5EF4-FFF2-40B4-BE49-F238E27FC236}">
+                <a16:creationId xmlns:a16="http://schemas.microsoft.com/office/drawing/2014/main" id="{BDA54A1C-A9B4-2DD8-A00B-8D60D26802BE}"/>
+              </a:ext>
+            </a:extLst>
+          </p:cNvPr>
+          <p:cNvPicPr>
+            <a:picLocks noChangeAspect="1" noChangeArrowheads="1"/>
+          </p:cNvPicPr>
+          <p:nvPr/>
+        </p:nvPicPr>
+        <p:blipFill>
+          <a:blip r:embed="rId9">
+            <a:extLst>
+              <a:ext uri="{28A0092B-C50C-407E-A947-70E740481C1C}">
+                <a14:useLocalDpi xmlns:a14="http://schemas.microsoft.com/office/drawing/2010/main" val="0"/>
+              </a:ext>
+            </a:extLst>
+          </a:blip>
+          <a:srcRect/>
+          <a:stretch>
+            <a:fillRect/>
+          </a:stretch>
+        </p:blipFill>
+        <p:spPr bwMode="auto">
+          <a:xfrm>
+            <a:off x="3451001" y="4931642"/>
+            <a:ext cx="990209" cy="990209"/>
+          </a:xfrm>
+          <a:prstGeom prst="rect">
+            <a:avLst/>
+          </a:prstGeom>
+          <a:noFill/>
+          <a:extLst>
+            <a:ext uri="{909E8E84-426E-40DD-AFC4-6F175D3DCCD1}">
+              <a14:hiddenFill xmlns:a14="http://schemas.microsoft.com/office/drawing/2010/main">
+                <a:solidFill>
+                  <a:srgbClr val="FFFFFF"/>
+                </a:solidFill>
+              </a14:hiddenFill>
+            </a:ext>
+          </a:extLst>
+        </p:spPr>
+      </p:pic>
+      <p:grpSp>
+        <p:nvGrpSpPr>
+          <p:cNvPr id="24" name="Group 23">
+            <a:extLst>
+              <a:ext uri="{FF2B5EF4-FFF2-40B4-BE49-F238E27FC236}">
+                <a16:creationId xmlns:a16="http://schemas.microsoft.com/office/drawing/2014/main" id="{9376D80C-44C1-E43C-6DDB-134FA5520ADD}"/>
+              </a:ext>
+            </a:extLst>
+          </p:cNvPr>
+          <p:cNvGrpSpPr/>
+          <p:nvPr/>
+        </p:nvGrpSpPr>
+        <p:grpSpPr>
+          <a:xfrm>
+            <a:off x="6711076" y="3377450"/>
+            <a:ext cx="816381" cy="784154"/>
+            <a:chOff x="5917991" y="4176092"/>
+            <a:chExt cx="2311609" cy="2220358"/>
+          </a:xfrm>
+        </p:grpSpPr>
+        <p:pic>
+          <p:nvPicPr>
+            <p:cNvPr id="16" name="Picture 15">
+              <a:extLst>
+                <a:ext uri="{FF2B5EF4-FFF2-40B4-BE49-F238E27FC236}">
+                  <a16:creationId xmlns:a16="http://schemas.microsoft.com/office/drawing/2014/main" id="{CF221F50-0C1F-856D-FB94-C40E89D1B9C3}"/>
+                </a:ext>
+              </a:extLst>
+            </p:cNvPr>
+            <p:cNvPicPr>
+              <a:picLocks noChangeAspect="1"/>
+            </p:cNvPicPr>
+            <p:nvPr/>
+          </p:nvPicPr>
+          <p:blipFill>
+            <a:blip r:embed="rId8"/>
+            <a:stretch>
+              <a:fillRect/>
+            </a:stretch>
+          </p:blipFill>
+          <p:spPr>
+            <a:xfrm>
+              <a:off x="5917991" y="4176092"/>
+              <a:ext cx="2220358" cy="2220358"/>
+            </a:xfrm>
+            <a:prstGeom prst="rect">
+              <a:avLst/>
+            </a:prstGeom>
+          </p:spPr>
+        </p:pic>
+        <p:pic>
+          <p:nvPicPr>
+            <p:cNvPr id="18" name="Picture 17">
+              <a:extLst>
+                <a:ext uri="{FF2B5EF4-FFF2-40B4-BE49-F238E27FC236}">
+                  <a16:creationId xmlns:a16="http://schemas.microsoft.com/office/drawing/2014/main" id="{3D93D867-AB5A-6D93-35E2-517C57C795EF}"/>
+                </a:ext>
+              </a:extLst>
+            </p:cNvPr>
+            <p:cNvPicPr>
+              <a:picLocks noChangeAspect="1"/>
+            </p:cNvPicPr>
+            <p:nvPr/>
+          </p:nvPicPr>
+          <p:blipFill>
+            <a:blip r:embed="rId10"/>
+            <a:stretch>
+              <a:fillRect/>
+            </a:stretch>
+          </p:blipFill>
+          <p:spPr>
+            <a:xfrm>
+              <a:off x="7409104" y="5488056"/>
+              <a:ext cx="820496" cy="820496"/>
+            </a:xfrm>
+            <a:prstGeom prst="rect">
+              <a:avLst/>
+            </a:prstGeom>
+          </p:spPr>
+        </p:pic>
+      </p:grpSp>
+      <p:pic>
+        <p:nvPicPr>
+          <p:cNvPr id="20" name="Picture 19">
+            <a:extLst>
+              <a:ext uri="{FF2B5EF4-FFF2-40B4-BE49-F238E27FC236}">
+                <a16:creationId xmlns:a16="http://schemas.microsoft.com/office/drawing/2014/main" id="{4E006EC1-F885-3706-86D7-B02CB4B14A9F}"/>
+              </a:ext>
+            </a:extLst>
+          </p:cNvPr>
+          <p:cNvPicPr>
+            <a:picLocks noChangeAspect="1"/>
+          </p:cNvPicPr>
+          <p:nvPr/>
+        </p:nvPicPr>
+        <p:blipFill>
+          <a:blip r:embed="rId11"/>
+          <a:stretch>
+            <a:fillRect/>
+          </a:stretch>
+        </p:blipFill>
+        <p:spPr>
+          <a:xfrm>
+            <a:off x="3643627" y="930502"/>
+            <a:ext cx="456371" cy="456371"/>
+          </a:xfrm>
+          <a:prstGeom prst="rect">
+            <a:avLst/>
+          </a:prstGeom>
+        </p:spPr>
+      </p:pic>
+      <p:pic>
+        <p:nvPicPr>
+          <p:cNvPr id="22" name="Picture 21">
+            <a:extLst>
+              <a:ext uri="{FF2B5EF4-FFF2-40B4-BE49-F238E27FC236}">
+                <a16:creationId xmlns:a16="http://schemas.microsoft.com/office/drawing/2014/main" id="{80408C12-20E6-8FA2-1BEF-51A15BD684DD}"/>
+              </a:ext>
+            </a:extLst>
+          </p:cNvPr>
+          <p:cNvPicPr>
+            <a:picLocks noChangeAspect="1"/>
+          </p:cNvPicPr>
+          <p:nvPr/>
+        </p:nvPicPr>
+        <p:blipFill>
+          <a:blip r:embed="rId12"/>
+          <a:stretch>
+            <a:fillRect/>
+          </a:stretch>
+        </p:blipFill>
+        <p:spPr>
+          <a:xfrm>
+            <a:off x="3643627" y="1649277"/>
+            <a:ext cx="456371" cy="456371"/>
+          </a:xfrm>
+          <a:prstGeom prst="rect">
+            <a:avLst/>
+          </a:prstGeom>
+        </p:spPr>
+      </p:pic>
+      <p:pic>
+        <p:nvPicPr>
+          <p:cNvPr id="23" name="Picture 22">
+            <a:extLst>
+              <a:ext uri="{FF2B5EF4-FFF2-40B4-BE49-F238E27FC236}">
+                <a16:creationId xmlns:a16="http://schemas.microsoft.com/office/drawing/2014/main" id="{1599804D-F4D7-77F2-9628-623792352142}"/>
+              </a:ext>
+            </a:extLst>
+          </p:cNvPr>
+          <p:cNvPicPr>
+            <a:picLocks noChangeAspect="1"/>
+          </p:cNvPicPr>
+          <p:nvPr/>
+        </p:nvPicPr>
+        <p:blipFill>
+          <a:blip r:embed="rId6"/>
+          <a:stretch>
+            <a:fillRect/>
+          </a:stretch>
+        </p:blipFill>
+        <p:spPr>
+          <a:xfrm>
+            <a:off x="6530262" y="2129309"/>
+            <a:ext cx="513520" cy="513520"/>
+          </a:xfrm>
+          <a:prstGeom prst="rect">
+            <a:avLst/>
+          </a:prstGeom>
+        </p:spPr>
+      </p:pic>
+      <p:sp>
+        <p:nvSpPr>
+          <p:cNvPr id="25" name="TextBox 24">
+            <a:extLst>
+              <a:ext uri="{FF2B5EF4-FFF2-40B4-BE49-F238E27FC236}">
+                <a16:creationId xmlns:a16="http://schemas.microsoft.com/office/drawing/2014/main" id="{E844F873-3B33-EBCA-546C-1AE75044392A}"/>
+              </a:ext>
+            </a:extLst>
+          </p:cNvPr>
+          <p:cNvSpPr txBox="1"/>
+          <p:nvPr/>
+        </p:nvSpPr>
+        <p:spPr>
+          <a:xfrm>
+            <a:off x="3546683" y="642730"/>
+            <a:ext cx="998813" cy="215444"/>
+          </a:xfrm>
+          <a:prstGeom prst="rect">
+            <a:avLst/>
+          </a:prstGeom>
+          <a:noFill/>
+        </p:spPr>
+        <p:txBody>
+          <a:bodyPr wrap="square" rtlCol="0">
+            <a:spAutoFit/>
+          </a:bodyPr>
+          <a:lstStyle/>
+          <a:p>
+            <a:r>
+              <a:rPr lang="en-US" sz="800" dirty="0">
+                <a:latin typeface="Consolas" panose="020B0609020204030204" pitchFamily="49" charset="0"/>
+              </a:rPr>
+              <a:t>Flat File</a:t>
+            </a:r>
+          </a:p>
+        </p:txBody>
+      </p:sp>
+      <p:sp>
+        <p:nvSpPr>
+          <p:cNvPr id="26" name="TextBox 25">
+            <a:extLst>
+              <a:ext uri="{FF2B5EF4-FFF2-40B4-BE49-F238E27FC236}">
+                <a16:creationId xmlns:a16="http://schemas.microsoft.com/office/drawing/2014/main" id="{02535DF8-4F42-E195-755A-30E119E48C26}"/>
+              </a:ext>
+            </a:extLst>
+          </p:cNvPr>
+          <p:cNvSpPr txBox="1"/>
+          <p:nvPr/>
+        </p:nvSpPr>
+        <p:spPr>
+          <a:xfrm>
+            <a:off x="3419955" y="1378787"/>
+            <a:ext cx="1100523" cy="215444"/>
+          </a:xfrm>
+          <a:prstGeom prst="rect">
+            <a:avLst/>
+          </a:prstGeom>
+          <a:noFill/>
+        </p:spPr>
+        <p:txBody>
+          <a:bodyPr wrap="square" rtlCol="0">
+            <a:spAutoFit/>
+          </a:bodyPr>
+          <a:lstStyle/>
+          <a:p>
+            <a:r>
+              <a:rPr lang="en-US" sz="800" dirty="0">
+                <a:latin typeface="Consolas" panose="020B0609020204030204" pitchFamily="49" charset="0"/>
+              </a:rPr>
+              <a:t>Excel Worksheet</a:t>
+            </a:r>
+          </a:p>
+        </p:txBody>
+      </p:sp>
+      <p:sp>
+        <p:nvSpPr>
+          <p:cNvPr id="27" name="TextBox 26">
+            <a:extLst>
+              <a:ext uri="{FF2B5EF4-FFF2-40B4-BE49-F238E27FC236}">
+                <a16:creationId xmlns:a16="http://schemas.microsoft.com/office/drawing/2014/main" id="{B8CB5BB3-4495-6653-B494-20EFAC58CF5E}"/>
+              </a:ext>
+            </a:extLst>
+          </p:cNvPr>
+          <p:cNvSpPr txBox="1"/>
+          <p:nvPr/>
+        </p:nvSpPr>
+        <p:spPr>
+          <a:xfrm>
+            <a:off x="3444973" y="2107688"/>
+            <a:ext cx="1100523" cy="338554"/>
+          </a:xfrm>
+          <a:prstGeom prst="rect">
+            <a:avLst/>
+          </a:prstGeom>
+          <a:noFill/>
+        </p:spPr>
+        <p:txBody>
+          <a:bodyPr wrap="square" rtlCol="0">
+            <a:spAutoFit/>
+          </a:bodyPr>
+          <a:lstStyle/>
+          <a:p>
+            <a:r>
+              <a:rPr lang="en-US" sz="800" dirty="0">
+                <a:latin typeface="Consolas" panose="020B0609020204030204" pitchFamily="49" charset="0"/>
+              </a:rPr>
+              <a:t>Delimited File in form of CSV</a:t>
+            </a:r>
+          </a:p>
+        </p:txBody>
+      </p:sp>
+      <p:sp>
+        <p:nvSpPr>
+          <p:cNvPr id="28" name="TextBox 27">
+            <a:extLst>
+              <a:ext uri="{FF2B5EF4-FFF2-40B4-BE49-F238E27FC236}">
+                <a16:creationId xmlns:a16="http://schemas.microsoft.com/office/drawing/2014/main" id="{2095B703-C480-3B1D-D7C5-D18469DF5C44}"/>
+              </a:ext>
+            </a:extLst>
+          </p:cNvPr>
+          <p:cNvSpPr txBox="1"/>
+          <p:nvPr/>
+        </p:nvSpPr>
+        <p:spPr>
+          <a:xfrm>
+            <a:off x="5714678" y="1514108"/>
+            <a:ext cx="1267548" cy="215444"/>
+          </a:xfrm>
+          <a:prstGeom prst="rect">
+            <a:avLst/>
+          </a:prstGeom>
+          <a:noFill/>
+        </p:spPr>
+        <p:txBody>
+          <a:bodyPr wrap="square" rtlCol="0">
+            <a:spAutoFit/>
+          </a:bodyPr>
+          <a:lstStyle/>
+          <a:p>
+            <a:r>
+              <a:rPr lang="en-US" sz="800" dirty="0">
+                <a:latin typeface="Consolas" panose="020B0609020204030204" pitchFamily="49" charset="0"/>
+              </a:rPr>
+              <a:t>Azure Data Factory</a:t>
+            </a:r>
+          </a:p>
+        </p:txBody>
+      </p:sp>
+      <p:sp>
+        <p:nvSpPr>
+          <p:cNvPr id="29" name="Arrow: Right 28">
+            <a:extLst>
+              <a:ext uri="{FF2B5EF4-FFF2-40B4-BE49-F238E27FC236}">
+                <a16:creationId xmlns:a16="http://schemas.microsoft.com/office/drawing/2014/main" id="{6F171D04-B637-10CD-292B-C986F4533AF1}"/>
+              </a:ext>
+            </a:extLst>
+          </p:cNvPr>
+          <p:cNvSpPr/>
+          <p:nvPr/>
+        </p:nvSpPr>
+        <p:spPr>
+          <a:xfrm rot="698678">
+            <a:off x="4424385" y="407276"/>
+            <a:ext cx="1079759" cy="338554"/>
+          </a:xfrm>
+          <a:prstGeom prst="rightArrow">
+            <a:avLst>
+              <a:gd name="adj1" fmla="val 46085"/>
+              <a:gd name="adj2" fmla="val 50000"/>
+            </a:avLst>
+          </a:prstGeom>
+          <a:solidFill>
+            <a:schemeClr val="tx1"/>
+          </a:solidFill>
+        </p:spPr>
+        <p:style>
+          <a:lnRef idx="2">
+            <a:schemeClr val="accent1">
+              <a:shade val="15000"/>
+            </a:schemeClr>
+          </a:lnRef>
+          <a:fillRef idx="1">
+            <a:schemeClr val="accent1"/>
+          </a:fillRef>
+          <a:effectRef idx="0">
+            <a:schemeClr val="accent1"/>
+          </a:effectRef>
+          <a:fontRef idx="minor">
+            <a:schemeClr val="lt1"/>
+          </a:fontRef>
+        </p:style>
+        <p:txBody>
+          <a:bodyPr rtlCol="0" anchor="ctr"/>
+          <a:lstStyle/>
+          <a:p>
+            <a:pPr algn="ctr"/>
+            <a:endParaRPr lang="en-US"/>
+          </a:p>
+        </p:txBody>
+      </p:sp>
+      <p:sp>
+        <p:nvSpPr>
+          <p:cNvPr id="30" name="Arrow: Right 29">
+            <a:extLst>
+              <a:ext uri="{FF2B5EF4-FFF2-40B4-BE49-F238E27FC236}">
+                <a16:creationId xmlns:a16="http://schemas.microsoft.com/office/drawing/2014/main" id="{3EB41F49-4059-2878-F901-8EC40CABF3C0}"/>
+              </a:ext>
+            </a:extLst>
+          </p:cNvPr>
+          <p:cNvSpPr/>
+          <p:nvPr/>
+        </p:nvSpPr>
+        <p:spPr>
+          <a:xfrm rot="16200000">
+            <a:off x="6523857" y="1739686"/>
+            <a:ext cx="338555" cy="338554"/>
+          </a:xfrm>
+          <a:prstGeom prst="rightArrow">
+            <a:avLst>
+              <a:gd name="adj1" fmla="val 46085"/>
+              <a:gd name="adj2" fmla="val 50000"/>
+            </a:avLst>
+          </a:prstGeom>
+          <a:solidFill>
+            <a:schemeClr val="tx1"/>
+          </a:solidFill>
+        </p:spPr>
+        <p:style>
+          <a:lnRef idx="2">
+            <a:schemeClr val="accent1">
+              <a:shade val="15000"/>
+            </a:schemeClr>
+          </a:lnRef>
+          <a:fillRef idx="1">
+            <a:schemeClr val="accent1"/>
+          </a:fillRef>
+          <a:effectRef idx="0">
+            <a:schemeClr val="accent1"/>
+          </a:effectRef>
+          <a:fontRef idx="minor">
+            <a:schemeClr val="lt1"/>
+          </a:fontRef>
+        </p:style>
+        <p:txBody>
+          <a:bodyPr rtlCol="0" anchor="ctr"/>
+          <a:lstStyle/>
+          <a:p>
+            <a:pPr algn="ctr"/>
+            <a:endParaRPr lang="en-US"/>
+          </a:p>
+        </p:txBody>
+      </p:sp>
+      <p:sp>
+        <p:nvSpPr>
+          <p:cNvPr id="31" name="Arrow: Right 30">
+            <a:extLst>
+              <a:ext uri="{FF2B5EF4-FFF2-40B4-BE49-F238E27FC236}">
+                <a16:creationId xmlns:a16="http://schemas.microsoft.com/office/drawing/2014/main" id="{D23943BB-5064-BDD9-1B71-77037D533B9E}"/>
+              </a:ext>
+            </a:extLst>
+          </p:cNvPr>
+          <p:cNvSpPr/>
+          <p:nvPr/>
+        </p:nvSpPr>
+        <p:spPr>
+          <a:xfrm>
+            <a:off x="4390375" y="1021757"/>
+            <a:ext cx="1100522" cy="338554"/>
+          </a:xfrm>
+          <a:prstGeom prst="rightArrow">
+            <a:avLst>
+              <a:gd name="adj1" fmla="val 46085"/>
+              <a:gd name="adj2" fmla="val 50000"/>
+            </a:avLst>
+          </a:prstGeom>
+          <a:solidFill>
+            <a:schemeClr val="tx1"/>
+          </a:solidFill>
+        </p:spPr>
+        <p:style>
+          <a:lnRef idx="2">
+            <a:schemeClr val="accent1">
+              <a:shade val="15000"/>
+            </a:schemeClr>
+          </a:lnRef>
+          <a:fillRef idx="1">
+            <a:schemeClr val="accent1"/>
+          </a:fillRef>
+          <a:effectRef idx="0">
+            <a:schemeClr val="accent1"/>
+          </a:effectRef>
+          <a:fontRef idx="minor">
+            <a:schemeClr val="lt1"/>
+          </a:fontRef>
+        </p:style>
+        <p:txBody>
+          <a:bodyPr rtlCol="0" anchor="ctr"/>
+          <a:lstStyle/>
+          <a:p>
+            <a:pPr algn="ctr"/>
+            <a:endParaRPr lang="en-US"/>
+          </a:p>
+        </p:txBody>
+      </p:sp>
+      <p:sp>
+        <p:nvSpPr>
+          <p:cNvPr id="32" name="Arrow: Right 31">
+            <a:extLst>
+              <a:ext uri="{FF2B5EF4-FFF2-40B4-BE49-F238E27FC236}">
+                <a16:creationId xmlns:a16="http://schemas.microsoft.com/office/drawing/2014/main" id="{C7A94632-7B85-7B00-BDF4-5110B04C2BD3}"/>
+              </a:ext>
+            </a:extLst>
+          </p:cNvPr>
+          <p:cNvSpPr/>
+          <p:nvPr/>
+        </p:nvSpPr>
+        <p:spPr>
+          <a:xfrm rot="20360436">
+            <a:off x="4317786" y="1684830"/>
+            <a:ext cx="1276911" cy="338554"/>
+          </a:xfrm>
+          <a:prstGeom prst="rightArrow">
+            <a:avLst>
+              <a:gd name="adj1" fmla="val 46085"/>
+              <a:gd name="adj2" fmla="val 50000"/>
+            </a:avLst>
+          </a:prstGeom>
+          <a:solidFill>
+            <a:schemeClr val="tx1"/>
+          </a:solidFill>
+        </p:spPr>
+        <p:style>
+          <a:lnRef idx="2">
+            <a:schemeClr val="accent1">
+              <a:shade val="15000"/>
+            </a:schemeClr>
+          </a:lnRef>
+          <a:fillRef idx="1">
+            <a:schemeClr val="accent1"/>
+          </a:fillRef>
+          <a:effectRef idx="0">
+            <a:schemeClr val="accent1"/>
+          </a:effectRef>
+          <a:fontRef idx="minor">
+            <a:schemeClr val="lt1"/>
+          </a:fontRef>
+        </p:style>
+        <p:txBody>
+          <a:bodyPr rtlCol="0" anchor="ctr"/>
+          <a:lstStyle/>
+          <a:p>
+            <a:pPr algn="ctr"/>
+            <a:endParaRPr lang="en-US"/>
+          </a:p>
+        </p:txBody>
+      </p:sp>
+      <p:sp>
+        <p:nvSpPr>
+          <p:cNvPr id="33" name="TextBox 32">
+            <a:extLst>
+              <a:ext uri="{FF2B5EF4-FFF2-40B4-BE49-F238E27FC236}">
+                <a16:creationId xmlns:a16="http://schemas.microsoft.com/office/drawing/2014/main" id="{95E135CA-234B-AA4B-1D36-54A2D3055264}"/>
+              </a:ext>
+            </a:extLst>
+          </p:cNvPr>
+          <p:cNvSpPr txBox="1"/>
+          <p:nvPr/>
+        </p:nvSpPr>
+        <p:spPr>
+          <a:xfrm>
+            <a:off x="6236761" y="2714127"/>
+            <a:ext cx="1100523" cy="215444"/>
+          </a:xfrm>
+          <a:prstGeom prst="rect">
+            <a:avLst/>
+          </a:prstGeom>
+          <a:noFill/>
+        </p:spPr>
+        <p:txBody>
+          <a:bodyPr wrap="square" rtlCol="0">
+            <a:spAutoFit/>
+          </a:bodyPr>
+          <a:lstStyle/>
+          <a:p>
+            <a:r>
+              <a:rPr lang="en-US" sz="800" dirty="0">
+                <a:latin typeface="Consolas" panose="020B0609020204030204" pitchFamily="49" charset="0"/>
+              </a:rPr>
+              <a:t>Database Object</a:t>
+            </a:r>
+          </a:p>
+        </p:txBody>
+      </p:sp>
+      <p:sp>
+        <p:nvSpPr>
+          <p:cNvPr id="35" name="TextBox 34">
+            <a:extLst>
+              <a:ext uri="{FF2B5EF4-FFF2-40B4-BE49-F238E27FC236}">
+                <a16:creationId xmlns:a16="http://schemas.microsoft.com/office/drawing/2014/main" id="{E04E3FAA-C466-2D5D-6451-627C6E18DE1E}"/>
+              </a:ext>
+            </a:extLst>
+          </p:cNvPr>
+          <p:cNvSpPr txBox="1"/>
+          <p:nvPr/>
+        </p:nvSpPr>
+        <p:spPr>
+          <a:xfrm>
+            <a:off x="3643627" y="2742876"/>
+            <a:ext cx="2094089" cy="338554"/>
+          </a:xfrm>
+          <a:prstGeom prst="rect">
+            <a:avLst/>
+          </a:prstGeom>
+          <a:noFill/>
+        </p:spPr>
+        <p:txBody>
+          <a:bodyPr wrap="square" rtlCol="0">
+            <a:spAutoFit/>
+          </a:bodyPr>
+          <a:lstStyle/>
+          <a:p>
+            <a:r>
+              <a:rPr lang="en-US" sz="1600" b="1" dirty="0">
+                <a:latin typeface="Consolas" panose="020B0609020204030204" pitchFamily="49" charset="0"/>
+              </a:rPr>
+              <a:t>Staging Sources</a:t>
+            </a:r>
+          </a:p>
+        </p:txBody>
+      </p:sp>
+      <p:sp>
+        <p:nvSpPr>
+          <p:cNvPr id="36" name="TextBox 35">
+            <a:extLst>
+              <a:ext uri="{FF2B5EF4-FFF2-40B4-BE49-F238E27FC236}">
+                <a16:creationId xmlns:a16="http://schemas.microsoft.com/office/drawing/2014/main" id="{E8E6C180-3941-9540-8600-909C1500BBC3}"/>
+              </a:ext>
+            </a:extLst>
+          </p:cNvPr>
+          <p:cNvSpPr txBox="1"/>
+          <p:nvPr/>
+        </p:nvSpPr>
+        <p:spPr>
+          <a:xfrm>
+            <a:off x="7767938" y="784689"/>
+            <a:ext cx="1647752" cy="215444"/>
+          </a:xfrm>
+          <a:prstGeom prst="rect">
+            <a:avLst/>
+          </a:prstGeom>
+          <a:noFill/>
+        </p:spPr>
+        <p:txBody>
+          <a:bodyPr wrap="square" rtlCol="0">
+            <a:spAutoFit/>
+          </a:bodyPr>
+          <a:lstStyle/>
+          <a:p>
+            <a:r>
+              <a:rPr lang="en-US" sz="800" dirty="0">
+                <a:latin typeface="Consolas" panose="020B0609020204030204" pitchFamily="49" charset="0"/>
+              </a:rPr>
+              <a:t>Informatica Product Suite</a:t>
+            </a:r>
+          </a:p>
+        </p:txBody>
+      </p:sp>
+      <p:sp>
+        <p:nvSpPr>
+          <p:cNvPr id="38" name="TextBox 37">
+            <a:extLst>
+              <a:ext uri="{FF2B5EF4-FFF2-40B4-BE49-F238E27FC236}">
+                <a16:creationId xmlns:a16="http://schemas.microsoft.com/office/drawing/2014/main" id="{8C8C0920-7C4A-22A7-F3FE-C85D3784F514}"/>
+              </a:ext>
+            </a:extLst>
+          </p:cNvPr>
+          <p:cNvSpPr txBox="1"/>
+          <p:nvPr/>
+        </p:nvSpPr>
+        <p:spPr>
+          <a:xfrm>
+            <a:off x="8186865" y="2729841"/>
+            <a:ext cx="3230519" cy="338554"/>
+          </a:xfrm>
+          <a:prstGeom prst="rect">
+            <a:avLst/>
+          </a:prstGeom>
+          <a:noFill/>
+        </p:spPr>
+        <p:txBody>
+          <a:bodyPr wrap="square" rtlCol="0">
+            <a:spAutoFit/>
+          </a:bodyPr>
+          <a:lstStyle/>
+          <a:p>
+            <a:r>
+              <a:rPr lang="en-US" sz="1600" b="1" dirty="0">
+                <a:latin typeface="Consolas" panose="020B0609020204030204" pitchFamily="49" charset="0"/>
+              </a:rPr>
+              <a:t>Pre-Processing Requirements</a:t>
+            </a:r>
+          </a:p>
+        </p:txBody>
+      </p:sp>
+      <p:sp>
+        <p:nvSpPr>
+          <p:cNvPr id="39" name="Arrow: Right 38">
+            <a:extLst>
+              <a:ext uri="{FF2B5EF4-FFF2-40B4-BE49-F238E27FC236}">
+                <a16:creationId xmlns:a16="http://schemas.microsoft.com/office/drawing/2014/main" id="{B06B5D1E-387E-CBA6-27A1-D24825AECB9B}"/>
+              </a:ext>
+            </a:extLst>
+          </p:cNvPr>
+          <p:cNvSpPr/>
+          <p:nvPr/>
+        </p:nvSpPr>
+        <p:spPr>
+          <a:xfrm>
+            <a:off x="7181991" y="1121135"/>
+            <a:ext cx="847892" cy="1295430"/>
+          </a:xfrm>
+          <a:prstGeom prst="rightArrow">
+            <a:avLst>
+              <a:gd name="adj1" fmla="val 46085"/>
+              <a:gd name="adj2" fmla="val 50000"/>
+            </a:avLst>
+          </a:prstGeom>
+          <a:solidFill>
+            <a:schemeClr val="bg1"/>
+          </a:solidFill>
+        </p:spPr>
+        <p:style>
+          <a:lnRef idx="2">
+            <a:schemeClr val="accent1">
+              <a:shade val="15000"/>
+            </a:schemeClr>
+          </a:lnRef>
+          <a:fillRef idx="1">
+            <a:schemeClr val="accent1"/>
+          </a:fillRef>
+          <a:effectRef idx="0">
+            <a:schemeClr val="accent1"/>
+          </a:effectRef>
+          <a:fontRef idx="minor">
+            <a:schemeClr val="lt1"/>
+          </a:fontRef>
+        </p:style>
+        <p:txBody>
+          <a:bodyPr rtlCol="0" anchor="ctr"/>
+          <a:lstStyle/>
+          <a:p>
+            <a:pPr algn="ctr"/>
+            <a:endParaRPr lang="en-US"/>
+          </a:p>
+        </p:txBody>
+      </p:sp>
+      <p:sp>
+        <p:nvSpPr>
+          <p:cNvPr id="40" name="TextBox 39">
+            <a:extLst>
+              <a:ext uri="{FF2B5EF4-FFF2-40B4-BE49-F238E27FC236}">
+                <a16:creationId xmlns:a16="http://schemas.microsoft.com/office/drawing/2014/main" id="{336B9CD9-221D-21C4-6898-364B17A919D5}"/>
+              </a:ext>
+            </a:extLst>
+          </p:cNvPr>
+          <p:cNvSpPr txBox="1"/>
+          <p:nvPr/>
+        </p:nvSpPr>
+        <p:spPr>
+          <a:xfrm>
+            <a:off x="10562392" y="2604912"/>
+            <a:ext cx="1100523" cy="215444"/>
+          </a:xfrm>
+          <a:prstGeom prst="rect">
+            <a:avLst/>
+          </a:prstGeom>
+          <a:noFill/>
+        </p:spPr>
+        <p:txBody>
+          <a:bodyPr wrap="square" rtlCol="0">
+            <a:spAutoFit/>
+          </a:bodyPr>
+          <a:lstStyle/>
+          <a:p>
+            <a:r>
+              <a:rPr lang="en-US" sz="800" dirty="0">
+                <a:latin typeface="Consolas" panose="020B0609020204030204" pitchFamily="49" charset="0"/>
+              </a:rPr>
+              <a:t>Database Tools</a:t>
+            </a:r>
+          </a:p>
+        </p:txBody>
+      </p:sp>
+      <p:sp>
+        <p:nvSpPr>
+          <p:cNvPr id="41" name="TextBox 40">
+            <a:extLst>
+              <a:ext uri="{FF2B5EF4-FFF2-40B4-BE49-F238E27FC236}">
+                <a16:creationId xmlns:a16="http://schemas.microsoft.com/office/drawing/2014/main" id="{5A278C85-A0DB-28A3-0EA5-5B002DE004BE}"/>
+              </a:ext>
+            </a:extLst>
+          </p:cNvPr>
+          <p:cNvSpPr txBox="1"/>
+          <p:nvPr/>
+        </p:nvSpPr>
+        <p:spPr>
+          <a:xfrm>
+            <a:off x="9052719" y="1806024"/>
+            <a:ext cx="1371404" cy="338554"/>
+          </a:xfrm>
+          <a:prstGeom prst="rect">
+            <a:avLst/>
+          </a:prstGeom>
+          <a:noFill/>
+        </p:spPr>
+        <p:txBody>
+          <a:bodyPr wrap="square" rtlCol="0">
+            <a:spAutoFit/>
+          </a:bodyPr>
+          <a:lstStyle/>
+          <a:p>
+            <a:r>
+              <a:rPr lang="en-US" sz="800" dirty="0">
+                <a:latin typeface="Consolas" panose="020B0609020204030204" pitchFamily="49" charset="0"/>
+              </a:rPr>
+              <a:t>Intermediary layers of processing</a:t>
+            </a:r>
+          </a:p>
+        </p:txBody>
+      </p:sp>
+      <p:pic>
+        <p:nvPicPr>
+          <p:cNvPr id="1038" name="Picture 14" descr="Data Lake Storage Pricing Details - Azure Cloud Computing">
+            <a:extLst>
+              <a:ext uri="{FF2B5EF4-FFF2-40B4-BE49-F238E27FC236}">
+                <a16:creationId xmlns:a16="http://schemas.microsoft.com/office/drawing/2014/main" id="{5427531A-9DC2-322F-3BB0-4FB0147CF408}"/>
+              </a:ext>
+            </a:extLst>
+          </p:cNvPr>
+          <p:cNvPicPr>
+            <a:picLocks noChangeAspect="1" noChangeArrowheads="1"/>
+          </p:cNvPicPr>
+          <p:nvPr/>
+        </p:nvPicPr>
+        <p:blipFill>
+          <a:blip r:embed="rId13">
+            <a:extLst>
+              <a:ext uri="{BEBA8EAE-BF5A-486C-A8C5-ECC9F3942E4B}">
+                <a14:imgProps xmlns:a14="http://schemas.microsoft.com/office/drawing/2010/main">
+                  <a14:imgLayer r:embed="rId14">
+                    <a14:imgEffect>
+                      <a14:backgroundRemoval t="9677" b="95161" l="9963" r="89668">
+                        <a14:foregroundMark x1="44649" y1="95161" x2="44649" y2="95161"/>
+                        <a14:foregroundMark x1="43911" y1="16129" x2="43911" y2="16129"/>
+                      </a14:backgroundRemoval>
+                    </a14:imgEffect>
+                  </a14:imgLayer>
+                </a14:imgProps>
+              </a:ext>
+              <a:ext uri="{28A0092B-C50C-407E-A947-70E740481C1C}">
+                <a14:useLocalDpi xmlns:a14="http://schemas.microsoft.com/office/drawing/2010/main" val="0"/>
+              </a:ext>
+            </a:extLst>
+          </a:blip>
+          <a:srcRect/>
+          <a:stretch>
+            <a:fillRect/>
+          </a:stretch>
+        </p:blipFill>
+        <p:spPr bwMode="auto">
+          <a:xfrm>
+            <a:off x="5825008" y="4923783"/>
+            <a:ext cx="1442725" cy="990209"/>
+          </a:xfrm>
+          <a:prstGeom prst="rect">
+            <a:avLst/>
+          </a:prstGeom>
+          <a:noFill/>
+          <a:effectLst>
+            <a:softEdge rad="12700"/>
+          </a:effectLst>
+          <a:extLst>
+            <a:ext uri="{909E8E84-426E-40DD-AFC4-6F175D3DCCD1}">
+              <a14:hiddenFill xmlns:a14="http://schemas.microsoft.com/office/drawing/2010/main">
+                <a:solidFill>
+                  <a:srgbClr val="FFFFFF"/>
+                </a:solidFill>
+              </a14:hiddenFill>
+            </a:ext>
+          </a:extLst>
+        </p:spPr>
+      </p:pic>
+      <p:pic>
+        <p:nvPicPr>
+          <p:cNvPr id="1040" name="Picture 16" descr="Machine Learning (classic) - Visual Studio Marketplace">
+            <a:extLst>
+              <a:ext uri="{FF2B5EF4-FFF2-40B4-BE49-F238E27FC236}">
+                <a16:creationId xmlns:a16="http://schemas.microsoft.com/office/drawing/2014/main" id="{2A910E74-6AE1-66D1-3D60-A5BFC954A80A}"/>
+              </a:ext>
+            </a:extLst>
+          </p:cNvPr>
+          <p:cNvPicPr>
+            <a:picLocks noChangeAspect="1" noChangeArrowheads="1"/>
+          </p:cNvPicPr>
+          <p:nvPr/>
+        </p:nvPicPr>
+        <p:blipFill>
+          <a:blip r:embed="rId15">
+            <a:extLst>
+              <a:ext uri="{28A0092B-C50C-407E-A947-70E740481C1C}">
+                <a14:useLocalDpi xmlns:a14="http://schemas.microsoft.com/office/drawing/2010/main" val="0"/>
+              </a:ext>
+            </a:extLst>
+          </a:blip>
+          <a:srcRect/>
+          <a:stretch>
+            <a:fillRect/>
+          </a:stretch>
+        </p:blipFill>
+        <p:spPr bwMode="auto">
+          <a:xfrm>
+            <a:off x="7495230" y="4913327"/>
+            <a:ext cx="936416" cy="936416"/>
+          </a:xfrm>
+          <a:prstGeom prst="rect">
+            <a:avLst/>
+          </a:prstGeom>
+          <a:noFill/>
+          <a:extLst>
+            <a:ext uri="{909E8E84-426E-40DD-AFC4-6F175D3DCCD1}">
+              <a14:hiddenFill xmlns:a14="http://schemas.microsoft.com/office/drawing/2010/main">
+                <a:solidFill>
+                  <a:srgbClr val="FFFFFF"/>
+                </a:solidFill>
+              </a14:hiddenFill>
+            </a:ext>
+          </a:extLst>
+        </p:spPr>
+      </p:pic>
+      <p:pic>
+        <p:nvPicPr>
+          <p:cNvPr id="1042" name="Picture 18" descr="Pricing - Azure Synapse Analytics | Microsoft Azure">
+            <a:extLst>
+              <a:ext uri="{FF2B5EF4-FFF2-40B4-BE49-F238E27FC236}">
+                <a16:creationId xmlns:a16="http://schemas.microsoft.com/office/drawing/2014/main" id="{035296A2-D413-FAAD-CF62-7C99A8D17818}"/>
+              </a:ext>
+            </a:extLst>
+          </p:cNvPr>
+          <p:cNvPicPr>
+            <a:picLocks noChangeAspect="1" noChangeArrowheads="1"/>
+          </p:cNvPicPr>
+          <p:nvPr/>
+        </p:nvPicPr>
+        <p:blipFill rotWithShape="1">
+          <a:blip r:embed="rId16">
+            <a:extLst>
+              <a:ext uri="{28A0092B-C50C-407E-A947-70E740481C1C}">
+                <a14:useLocalDpi xmlns:a14="http://schemas.microsoft.com/office/drawing/2010/main" val="0"/>
+              </a:ext>
+            </a:extLst>
+          </a:blip>
+          <a:srcRect l="22503" r="19406"/>
+          <a:stretch/>
+        </p:blipFill>
+        <p:spPr bwMode="auto">
+          <a:xfrm>
+            <a:off x="8866054" y="4876777"/>
+            <a:ext cx="1036135" cy="936416"/>
+          </a:xfrm>
+          <a:prstGeom prst="rect">
+            <a:avLst/>
+          </a:prstGeom>
+          <a:noFill/>
+          <a:extLst>
+            <a:ext uri="{909E8E84-426E-40DD-AFC4-6F175D3DCCD1}">
+              <a14:hiddenFill xmlns:a14="http://schemas.microsoft.com/office/drawing/2010/main">
+                <a:solidFill>
+                  <a:srgbClr val="FFFFFF"/>
+                </a:solidFill>
+              </a14:hiddenFill>
+            </a:ext>
+          </a:extLst>
+        </p:spPr>
+      </p:pic>
+      <p:pic>
+        <p:nvPicPr>
+          <p:cNvPr id="1044" name="Picture 20" descr="Microsoft Fabric - Brainsell">
+            <a:extLst>
+              <a:ext uri="{FF2B5EF4-FFF2-40B4-BE49-F238E27FC236}">
+                <a16:creationId xmlns:a16="http://schemas.microsoft.com/office/drawing/2014/main" id="{E90B03B8-3A90-9E19-FBD8-82F05C83564D}"/>
+              </a:ext>
+            </a:extLst>
+          </p:cNvPr>
+          <p:cNvPicPr>
+            <a:picLocks noChangeAspect="1" noChangeArrowheads="1"/>
+          </p:cNvPicPr>
+          <p:nvPr/>
+        </p:nvPicPr>
+        <p:blipFill>
+          <a:blip r:embed="rId17">
+            <a:extLst>
+              <a:ext uri="{28A0092B-C50C-407E-A947-70E740481C1C}">
+                <a14:useLocalDpi xmlns:a14="http://schemas.microsoft.com/office/drawing/2010/main" val="0"/>
+              </a:ext>
+            </a:extLst>
+          </a:blip>
+          <a:srcRect/>
+          <a:stretch>
+            <a:fillRect/>
+          </a:stretch>
+        </p:blipFill>
+        <p:spPr bwMode="auto">
+          <a:xfrm>
+            <a:off x="4858336" y="4931643"/>
+            <a:ext cx="899784" cy="899784"/>
+          </a:xfrm>
+          <a:prstGeom prst="rect">
+            <a:avLst/>
+          </a:prstGeom>
+          <a:noFill/>
+          <a:extLst>
+            <a:ext uri="{909E8E84-426E-40DD-AFC4-6F175D3DCCD1}">
+              <a14:hiddenFill xmlns:a14="http://schemas.microsoft.com/office/drawing/2010/main">
+                <a:solidFill>
+                  <a:srgbClr val="FFFFFF"/>
+                </a:solidFill>
+              </a14:hiddenFill>
+            </a:ext>
+          </a:extLst>
+        </p:spPr>
+      </p:pic>
+      <p:sp>
+        <p:nvSpPr>
+          <p:cNvPr id="43" name="Arrow: Right 42">
+            <a:extLst>
+              <a:ext uri="{FF2B5EF4-FFF2-40B4-BE49-F238E27FC236}">
+                <a16:creationId xmlns:a16="http://schemas.microsoft.com/office/drawing/2014/main" id="{AAD9C0F6-05F9-374E-B70A-BBF458C7E357}"/>
+              </a:ext>
+            </a:extLst>
+          </p:cNvPr>
+          <p:cNvSpPr/>
+          <p:nvPr/>
+        </p:nvSpPr>
+        <p:spPr>
+          <a:xfrm rot="5400000">
+            <a:off x="9496534" y="2696300"/>
+            <a:ext cx="619286" cy="1295430"/>
+          </a:xfrm>
+          <a:prstGeom prst="rightArrow">
+            <a:avLst>
+              <a:gd name="adj1" fmla="val 46085"/>
+              <a:gd name="adj2" fmla="val 50000"/>
+            </a:avLst>
+          </a:prstGeom>
+          <a:solidFill>
+            <a:schemeClr val="bg1"/>
+          </a:solidFill>
+        </p:spPr>
+        <p:style>
+          <a:lnRef idx="2">
+            <a:schemeClr val="accent1">
+              <a:shade val="15000"/>
+            </a:schemeClr>
+          </a:lnRef>
+          <a:fillRef idx="1">
+            <a:schemeClr val="accent1"/>
+          </a:fillRef>
+          <a:effectRef idx="0">
+            <a:schemeClr val="accent1"/>
+          </a:effectRef>
+          <a:fontRef idx="minor">
+            <a:schemeClr val="lt1"/>
+          </a:fontRef>
+        </p:style>
+        <p:txBody>
+          <a:bodyPr rtlCol="0" anchor="ctr"/>
+          <a:lstStyle/>
+          <a:p>
+            <a:pPr algn="ctr"/>
+            <a:endParaRPr lang="en-US"/>
+          </a:p>
+        </p:txBody>
+      </p:sp>
+      <p:sp>
+        <p:nvSpPr>
+          <p:cNvPr id="44" name="TextBox 43">
+            <a:extLst>
+              <a:ext uri="{FF2B5EF4-FFF2-40B4-BE49-F238E27FC236}">
+                <a16:creationId xmlns:a16="http://schemas.microsoft.com/office/drawing/2014/main" id="{2D665521-7CDC-C962-C768-11BF0195A7B1}"/>
+              </a:ext>
+            </a:extLst>
+          </p:cNvPr>
+          <p:cNvSpPr txBox="1"/>
+          <p:nvPr/>
+        </p:nvSpPr>
+        <p:spPr>
+          <a:xfrm>
+            <a:off x="8866054" y="3753594"/>
+            <a:ext cx="2094089" cy="338554"/>
+          </a:xfrm>
+          <a:prstGeom prst="rect">
+            <a:avLst/>
+          </a:prstGeom>
+          <a:noFill/>
+        </p:spPr>
+        <p:txBody>
+          <a:bodyPr wrap="square" rtlCol="0">
+            <a:spAutoFit/>
+          </a:bodyPr>
+          <a:lstStyle/>
+          <a:p>
+            <a:r>
+              <a:rPr lang="en-US" sz="1600" b="1" dirty="0">
+                <a:latin typeface="Consolas" panose="020B0609020204030204" pitchFamily="49" charset="0"/>
+              </a:rPr>
+              <a:t>Exposed Layer</a:t>
+            </a:r>
+          </a:p>
+        </p:txBody>
+      </p:sp>
+      <p:sp>
+        <p:nvSpPr>
+          <p:cNvPr id="45" name="TextBox 44">
+            <a:extLst>
+              <a:ext uri="{FF2B5EF4-FFF2-40B4-BE49-F238E27FC236}">
+                <a16:creationId xmlns:a16="http://schemas.microsoft.com/office/drawing/2014/main" id="{59C72765-A8BE-F991-6246-3309A633DCF5}"/>
+              </a:ext>
+            </a:extLst>
+          </p:cNvPr>
+          <p:cNvSpPr txBox="1"/>
+          <p:nvPr/>
+        </p:nvSpPr>
+        <p:spPr>
+          <a:xfrm>
+            <a:off x="6916466" y="4074962"/>
+            <a:ext cx="431702" cy="215444"/>
+          </a:xfrm>
+          <a:prstGeom prst="rect">
+            <a:avLst/>
+          </a:prstGeom>
+          <a:noFill/>
+        </p:spPr>
+        <p:txBody>
+          <a:bodyPr wrap="square" rtlCol="0">
+            <a:spAutoFit/>
+          </a:bodyPr>
+          <a:lstStyle/>
+          <a:p>
+            <a:r>
+              <a:rPr lang="en-US" sz="800" dirty="0">
+                <a:latin typeface="Consolas" panose="020B0609020204030204" pitchFamily="49" charset="0"/>
+              </a:rPr>
+              <a:t>View</a:t>
+            </a:r>
+          </a:p>
+        </p:txBody>
+      </p:sp>
+      <p:sp>
+        <p:nvSpPr>
+          <p:cNvPr id="46" name="TextBox 45">
+            <a:extLst>
+              <a:ext uri="{FF2B5EF4-FFF2-40B4-BE49-F238E27FC236}">
+                <a16:creationId xmlns:a16="http://schemas.microsoft.com/office/drawing/2014/main" id="{D9F1A5C6-9D98-7F55-0C71-590523334A88}"/>
+              </a:ext>
+            </a:extLst>
+          </p:cNvPr>
+          <p:cNvSpPr txBox="1"/>
+          <p:nvPr/>
+        </p:nvSpPr>
+        <p:spPr>
+          <a:xfrm>
+            <a:off x="8078123" y="4095452"/>
+            <a:ext cx="507002" cy="215444"/>
+          </a:xfrm>
+          <a:prstGeom prst="rect">
+            <a:avLst/>
+          </a:prstGeom>
+          <a:noFill/>
+        </p:spPr>
+        <p:txBody>
+          <a:bodyPr wrap="square" rtlCol="0">
+            <a:spAutoFit/>
+          </a:bodyPr>
+          <a:lstStyle/>
+          <a:p>
+            <a:r>
+              <a:rPr lang="en-US" sz="800" dirty="0">
+                <a:latin typeface="Consolas" panose="020B0609020204030204" pitchFamily="49" charset="0"/>
+              </a:rPr>
+              <a:t>Table</a:t>
+            </a:r>
+          </a:p>
+        </p:txBody>
+      </p:sp>
+      <p:sp>
+        <p:nvSpPr>
+          <p:cNvPr id="48" name="Arrow: Right 47">
+            <a:extLst>
+              <a:ext uri="{FF2B5EF4-FFF2-40B4-BE49-F238E27FC236}">
+                <a16:creationId xmlns:a16="http://schemas.microsoft.com/office/drawing/2014/main" id="{58E59E91-458C-325F-001A-8C640B248E59}"/>
+              </a:ext>
+            </a:extLst>
+          </p:cNvPr>
+          <p:cNvSpPr/>
+          <p:nvPr/>
+        </p:nvSpPr>
+        <p:spPr>
+          <a:xfrm rot="5400000">
+            <a:off x="9394494" y="3874591"/>
+            <a:ext cx="778024" cy="1295430"/>
+          </a:xfrm>
+          <a:prstGeom prst="rightArrow">
+            <a:avLst>
+              <a:gd name="adj1" fmla="val 46085"/>
+              <a:gd name="adj2" fmla="val 43187"/>
+            </a:avLst>
+          </a:prstGeom>
+          <a:solidFill>
+            <a:schemeClr val="bg1"/>
+          </a:solidFill>
+        </p:spPr>
+        <p:style>
+          <a:lnRef idx="2">
+            <a:schemeClr val="accent1">
+              <a:shade val="15000"/>
+            </a:schemeClr>
+          </a:lnRef>
+          <a:fillRef idx="1">
+            <a:schemeClr val="accent1"/>
+          </a:fillRef>
+          <a:effectRef idx="0">
+            <a:schemeClr val="accent1"/>
+          </a:effectRef>
+          <a:fontRef idx="minor">
+            <a:schemeClr val="lt1"/>
+          </a:fontRef>
+        </p:style>
+        <p:txBody>
+          <a:bodyPr rtlCol="0" anchor="ctr"/>
+          <a:lstStyle/>
+          <a:p>
+            <a:pPr algn="ctr"/>
+            <a:endParaRPr lang="en-US"/>
+          </a:p>
+        </p:txBody>
+      </p:sp>
+      <p:sp>
+        <p:nvSpPr>
+          <p:cNvPr id="49" name="TextBox 48">
+            <a:extLst>
+              <a:ext uri="{FF2B5EF4-FFF2-40B4-BE49-F238E27FC236}">
+                <a16:creationId xmlns:a16="http://schemas.microsoft.com/office/drawing/2014/main" id="{A71FD260-62CB-9D0B-06CC-43812B8B4F10}"/>
+              </a:ext>
+            </a:extLst>
+          </p:cNvPr>
+          <p:cNvSpPr txBox="1"/>
+          <p:nvPr/>
+        </p:nvSpPr>
+        <p:spPr>
+          <a:xfrm>
+            <a:off x="3643627" y="5999826"/>
+            <a:ext cx="797583" cy="338554"/>
+          </a:xfrm>
+          <a:prstGeom prst="rect">
+            <a:avLst/>
+          </a:prstGeom>
+          <a:noFill/>
+        </p:spPr>
+        <p:txBody>
+          <a:bodyPr wrap="square" rtlCol="0">
+            <a:spAutoFit/>
+          </a:bodyPr>
+          <a:lstStyle/>
+          <a:p>
+            <a:r>
+              <a:rPr lang="en-US" sz="800" dirty="0">
+                <a:latin typeface="Consolas" panose="020B0609020204030204" pitchFamily="49" charset="0"/>
+              </a:rPr>
+              <a:t>Microsoft </a:t>
+            </a:r>
+            <a:r>
+              <a:rPr lang="en-US" sz="800" dirty="0" err="1">
+                <a:latin typeface="Consolas" panose="020B0609020204030204" pitchFamily="49" charset="0"/>
+              </a:rPr>
+              <a:t>PowerBI</a:t>
+            </a:r>
+            <a:endParaRPr lang="en-US" sz="800" dirty="0">
+              <a:latin typeface="Consolas" panose="020B0609020204030204" pitchFamily="49" charset="0"/>
+            </a:endParaRPr>
+          </a:p>
+        </p:txBody>
+      </p:sp>
+      <p:sp>
+        <p:nvSpPr>
+          <p:cNvPr id="50" name="TextBox 49">
+            <a:extLst>
+              <a:ext uri="{FF2B5EF4-FFF2-40B4-BE49-F238E27FC236}">
+                <a16:creationId xmlns:a16="http://schemas.microsoft.com/office/drawing/2014/main" id="{7C471727-8C0C-0B3D-AE93-B167823CEF37}"/>
+              </a:ext>
+            </a:extLst>
+          </p:cNvPr>
+          <p:cNvSpPr txBox="1"/>
+          <p:nvPr/>
+        </p:nvSpPr>
+        <p:spPr>
+          <a:xfrm>
+            <a:off x="4858316" y="6031636"/>
+            <a:ext cx="827574" cy="338554"/>
+          </a:xfrm>
+          <a:prstGeom prst="rect">
+            <a:avLst/>
+          </a:prstGeom>
+          <a:noFill/>
+        </p:spPr>
+        <p:txBody>
+          <a:bodyPr wrap="square" rtlCol="0">
+            <a:spAutoFit/>
+          </a:bodyPr>
+          <a:lstStyle/>
+          <a:p>
+            <a:r>
+              <a:rPr lang="en-US" sz="800" dirty="0">
+                <a:latin typeface="Consolas" panose="020B0609020204030204" pitchFamily="49" charset="0"/>
+              </a:rPr>
+              <a:t>Microsoft Fabric</a:t>
+            </a:r>
+          </a:p>
+        </p:txBody>
+      </p:sp>
+      <p:sp>
+        <p:nvSpPr>
+          <p:cNvPr id="51" name="TextBox 50">
+            <a:extLst>
+              <a:ext uri="{FF2B5EF4-FFF2-40B4-BE49-F238E27FC236}">
+                <a16:creationId xmlns:a16="http://schemas.microsoft.com/office/drawing/2014/main" id="{0EAFC078-FDED-4BD2-D3DB-7973C898613E}"/>
+              </a:ext>
+            </a:extLst>
+          </p:cNvPr>
+          <p:cNvSpPr txBox="1"/>
+          <p:nvPr/>
+        </p:nvSpPr>
+        <p:spPr>
+          <a:xfrm>
+            <a:off x="6184842" y="6048256"/>
+            <a:ext cx="892532" cy="338554"/>
+          </a:xfrm>
+          <a:prstGeom prst="rect">
+            <a:avLst/>
+          </a:prstGeom>
+          <a:noFill/>
+        </p:spPr>
+        <p:txBody>
+          <a:bodyPr wrap="square" rtlCol="0">
+            <a:spAutoFit/>
+          </a:bodyPr>
+          <a:lstStyle/>
+          <a:p>
+            <a:r>
+              <a:rPr lang="en-US" sz="800" dirty="0">
+                <a:latin typeface="Consolas" panose="020B0609020204030204" pitchFamily="49" charset="0"/>
+              </a:rPr>
+              <a:t>Azure Data Lake Storage</a:t>
+            </a:r>
+          </a:p>
+        </p:txBody>
+      </p:sp>
+      <p:sp>
+        <p:nvSpPr>
+          <p:cNvPr id="52" name="TextBox 51">
+            <a:extLst>
+              <a:ext uri="{FF2B5EF4-FFF2-40B4-BE49-F238E27FC236}">
+                <a16:creationId xmlns:a16="http://schemas.microsoft.com/office/drawing/2014/main" id="{BA6DCE1B-77CA-95D8-5BDF-B750024DAA5E}"/>
+              </a:ext>
+            </a:extLst>
+          </p:cNvPr>
+          <p:cNvSpPr txBox="1"/>
+          <p:nvPr/>
+        </p:nvSpPr>
+        <p:spPr>
+          <a:xfrm>
+            <a:off x="7487168" y="6041707"/>
+            <a:ext cx="1073429" cy="338554"/>
+          </a:xfrm>
+          <a:prstGeom prst="rect">
+            <a:avLst/>
+          </a:prstGeom>
+          <a:noFill/>
+        </p:spPr>
+        <p:txBody>
+          <a:bodyPr wrap="square" rtlCol="0">
+            <a:spAutoFit/>
+          </a:bodyPr>
+          <a:lstStyle/>
+          <a:p>
+            <a:r>
+              <a:rPr lang="en-US" sz="800" dirty="0">
+                <a:latin typeface="Consolas" panose="020B0609020204030204" pitchFamily="49" charset="0"/>
+              </a:rPr>
+              <a:t>Azure Machine Learning Studio</a:t>
+            </a:r>
+          </a:p>
+        </p:txBody>
+      </p:sp>
+      <p:sp>
+        <p:nvSpPr>
+          <p:cNvPr id="53" name="TextBox 52">
+            <a:extLst>
+              <a:ext uri="{FF2B5EF4-FFF2-40B4-BE49-F238E27FC236}">
+                <a16:creationId xmlns:a16="http://schemas.microsoft.com/office/drawing/2014/main" id="{899F8CB3-AA70-6F26-710C-E1F37C471C88}"/>
+              </a:ext>
+            </a:extLst>
+          </p:cNvPr>
+          <p:cNvSpPr txBox="1"/>
+          <p:nvPr/>
+        </p:nvSpPr>
+        <p:spPr>
+          <a:xfrm>
+            <a:off x="8970391" y="6019145"/>
+            <a:ext cx="942707" cy="338554"/>
+          </a:xfrm>
+          <a:prstGeom prst="rect">
+            <a:avLst/>
+          </a:prstGeom>
+          <a:noFill/>
+        </p:spPr>
+        <p:txBody>
+          <a:bodyPr wrap="square" rtlCol="0">
+            <a:spAutoFit/>
+          </a:bodyPr>
+          <a:lstStyle/>
+          <a:p>
+            <a:r>
+              <a:rPr lang="en-US" sz="800" dirty="0">
+                <a:latin typeface="Consolas" panose="020B0609020204030204" pitchFamily="49" charset="0"/>
+              </a:rPr>
+              <a:t>Azure Synapse Analytics</a:t>
+            </a:r>
+          </a:p>
+        </p:txBody>
+      </p:sp>
+      <p:sp>
+        <p:nvSpPr>
+          <p:cNvPr id="54" name="TextBox 53">
+            <a:extLst>
+              <a:ext uri="{FF2B5EF4-FFF2-40B4-BE49-F238E27FC236}">
+                <a16:creationId xmlns:a16="http://schemas.microsoft.com/office/drawing/2014/main" id="{B6FA527C-E357-3713-B37D-272072E7908F}"/>
+              </a:ext>
+            </a:extLst>
+          </p:cNvPr>
+          <p:cNvSpPr txBox="1"/>
+          <p:nvPr/>
+        </p:nvSpPr>
+        <p:spPr>
+          <a:xfrm>
+            <a:off x="10562392" y="5999826"/>
+            <a:ext cx="904600" cy="461665"/>
+          </a:xfrm>
+          <a:prstGeom prst="rect">
+            <a:avLst/>
+          </a:prstGeom>
+          <a:noFill/>
+        </p:spPr>
+        <p:txBody>
+          <a:bodyPr wrap="square" rtlCol="0">
+            <a:spAutoFit/>
+          </a:bodyPr>
+          <a:lstStyle/>
+          <a:p>
+            <a:r>
+              <a:rPr lang="en-US" sz="800" dirty="0">
+                <a:latin typeface="Consolas" panose="020B0609020204030204" pitchFamily="49" charset="0"/>
+              </a:rPr>
+              <a:t>Microsoft SQL Server Services</a:t>
+            </a:r>
+          </a:p>
+        </p:txBody>
+      </p:sp>
+      <p:sp>
+        <p:nvSpPr>
+          <p:cNvPr id="55" name="Arrow: Right 54">
+            <a:extLst>
+              <a:ext uri="{FF2B5EF4-FFF2-40B4-BE49-F238E27FC236}">
+                <a16:creationId xmlns:a16="http://schemas.microsoft.com/office/drawing/2014/main" id="{215A2F52-DC13-094D-E9B9-817B3B615354}"/>
+              </a:ext>
+            </a:extLst>
+          </p:cNvPr>
+          <p:cNvSpPr/>
+          <p:nvPr/>
+        </p:nvSpPr>
+        <p:spPr>
+          <a:xfrm rot="16200000">
+            <a:off x="3375750" y="3263025"/>
+            <a:ext cx="1666447" cy="1295430"/>
+          </a:xfrm>
+          <a:prstGeom prst="rightArrow">
+            <a:avLst>
+              <a:gd name="adj1" fmla="val 46085"/>
+              <a:gd name="adj2" fmla="val 50000"/>
+            </a:avLst>
+          </a:prstGeom>
+          <a:solidFill>
+            <a:schemeClr val="bg1"/>
+          </a:solidFill>
+        </p:spPr>
+        <p:style>
+          <a:lnRef idx="2">
+            <a:schemeClr val="accent1">
+              <a:shade val="15000"/>
+            </a:schemeClr>
+          </a:lnRef>
+          <a:fillRef idx="1">
+            <a:schemeClr val="accent1"/>
+          </a:fillRef>
+          <a:effectRef idx="0">
+            <a:schemeClr val="accent1"/>
+          </a:effectRef>
+          <a:fontRef idx="minor">
+            <a:schemeClr val="lt1"/>
+          </a:fontRef>
+        </p:style>
+        <p:txBody>
+          <a:bodyPr rtlCol="0" anchor="ctr"/>
+          <a:lstStyle/>
+          <a:p>
+            <a:pPr algn="ctr"/>
+            <a:endParaRPr lang="en-US"/>
+          </a:p>
+        </p:txBody>
+      </p:sp>
+      <p:sp>
+        <p:nvSpPr>
+          <p:cNvPr id="56" name="Arrow: Right 55">
+            <a:extLst>
+              <a:ext uri="{FF2B5EF4-FFF2-40B4-BE49-F238E27FC236}">
+                <a16:creationId xmlns:a16="http://schemas.microsoft.com/office/drawing/2014/main" id="{99BF1576-6C28-3310-03D1-5626BD230A0F}"/>
+              </a:ext>
+            </a:extLst>
+          </p:cNvPr>
+          <p:cNvSpPr/>
+          <p:nvPr/>
+        </p:nvSpPr>
+        <p:spPr>
+          <a:xfrm rot="16200000">
+            <a:off x="5607106" y="2758843"/>
+            <a:ext cx="784155" cy="1295430"/>
+          </a:xfrm>
+          <a:prstGeom prst="rightArrow">
+            <a:avLst>
+              <a:gd name="adj1" fmla="val 46085"/>
+              <a:gd name="adj2" fmla="val 50000"/>
+            </a:avLst>
+          </a:prstGeom>
+          <a:solidFill>
+            <a:schemeClr val="bg1"/>
+          </a:solidFill>
+        </p:spPr>
+        <p:style>
+          <a:lnRef idx="2">
+            <a:schemeClr val="accent1">
+              <a:shade val="15000"/>
+            </a:schemeClr>
+          </a:lnRef>
+          <a:fillRef idx="1">
+            <a:schemeClr val="accent1"/>
+          </a:fillRef>
+          <a:effectRef idx="0">
+            <a:schemeClr val="accent1"/>
+          </a:effectRef>
+          <a:fontRef idx="minor">
+            <a:schemeClr val="lt1"/>
+          </a:fontRef>
+        </p:style>
+        <p:txBody>
+          <a:bodyPr rtlCol="0" anchor="ctr"/>
+          <a:lstStyle/>
+          <a:p>
+            <a:pPr algn="ctr"/>
+            <a:endParaRPr lang="en-US"/>
+          </a:p>
+        </p:txBody>
+      </p:sp>
+      <p:pic>
+        <p:nvPicPr>
+          <p:cNvPr id="57" name="Picture 14" descr="Data Lake Storage Pricing Details - Azure Cloud Computing">
+            <a:extLst>
+              <a:ext uri="{FF2B5EF4-FFF2-40B4-BE49-F238E27FC236}">
+                <a16:creationId xmlns:a16="http://schemas.microsoft.com/office/drawing/2014/main" id="{03C1E3ED-6D53-CB82-80F9-F0E661B372F0}"/>
+              </a:ext>
+            </a:extLst>
+          </p:cNvPr>
+          <p:cNvPicPr>
+            <a:picLocks noChangeAspect="1" noChangeArrowheads="1"/>
+          </p:cNvPicPr>
+          <p:nvPr/>
+        </p:nvPicPr>
+        <p:blipFill>
+          <a:blip r:embed="rId13">
+            <a:extLst>
+              <a:ext uri="{BEBA8EAE-BF5A-486C-A8C5-ECC9F3942E4B}">
+                <a14:imgProps xmlns:a14="http://schemas.microsoft.com/office/drawing/2010/main">
+                  <a14:imgLayer r:embed="rId14">
+                    <a14:imgEffect>
+                      <a14:backgroundRemoval t="9677" b="95161" l="9963" r="89668">
+                        <a14:foregroundMark x1="44649" y1="95161" x2="44649" y2="95161"/>
+                        <a14:foregroundMark x1="43911" y1="16129" x2="43911" y2="16129"/>
+                      </a14:backgroundRemoval>
+                    </a14:imgEffect>
+                  </a14:imgLayer>
+                </a14:imgProps>
+              </a:ext>
+              <a:ext uri="{28A0092B-C50C-407E-A947-70E740481C1C}">
+                <a14:useLocalDpi xmlns:a14="http://schemas.microsoft.com/office/drawing/2010/main" val="0"/>
+              </a:ext>
+            </a:extLst>
+          </a:blip>
+          <a:srcRect/>
+          <a:stretch>
+            <a:fillRect/>
+          </a:stretch>
+        </p:blipFill>
+        <p:spPr bwMode="auto">
+          <a:xfrm>
+            <a:off x="5541997" y="2073605"/>
+            <a:ext cx="639874" cy="439175"/>
+          </a:xfrm>
+          <a:prstGeom prst="rect">
+            <a:avLst/>
+          </a:prstGeom>
+          <a:noFill/>
+          <a:effectLst>
+            <a:softEdge rad="12700"/>
+          </a:effectLst>
+          <a:extLst>
+            <a:ext uri="{909E8E84-426E-40DD-AFC4-6F175D3DCCD1}">
+              <a14:hiddenFill xmlns:a14="http://schemas.microsoft.com/office/drawing/2010/main">
+                <a:solidFill>
+                  <a:srgbClr val="FFFFFF"/>
+                </a:solidFill>
+              </a14:hiddenFill>
+            </a:ext>
+          </a:extLst>
+        </p:spPr>
+      </p:pic>
+      <p:sp>
+        <p:nvSpPr>
+          <p:cNvPr id="58" name="TextBox 57">
+            <a:extLst>
+              <a:ext uri="{FF2B5EF4-FFF2-40B4-BE49-F238E27FC236}">
+                <a16:creationId xmlns:a16="http://schemas.microsoft.com/office/drawing/2014/main" id="{1511E00A-4561-C926-4E1D-0AAE1D20B8F3}"/>
+              </a:ext>
+            </a:extLst>
+          </p:cNvPr>
+          <p:cNvSpPr txBox="1"/>
+          <p:nvPr/>
+        </p:nvSpPr>
+        <p:spPr>
+          <a:xfrm>
+            <a:off x="5501123" y="2595520"/>
+            <a:ext cx="972231" cy="338554"/>
+          </a:xfrm>
+          <a:prstGeom prst="rect">
+            <a:avLst/>
+          </a:prstGeom>
+          <a:noFill/>
+        </p:spPr>
+        <p:txBody>
+          <a:bodyPr wrap="square" rtlCol="0">
+            <a:spAutoFit/>
+          </a:bodyPr>
+          <a:lstStyle/>
+          <a:p>
+            <a:r>
+              <a:rPr lang="en-US" sz="800" dirty="0">
+                <a:latin typeface="Consolas" panose="020B0609020204030204" pitchFamily="49" charset="0"/>
+              </a:rPr>
+              <a:t>Azure Data Lake Storage</a:t>
+            </a:r>
+          </a:p>
+        </p:txBody>
+      </p:sp>
+      <p:sp>
+        <p:nvSpPr>
+          <p:cNvPr id="59" name="Arrow: Right 58">
+            <a:extLst>
+              <a:ext uri="{FF2B5EF4-FFF2-40B4-BE49-F238E27FC236}">
+                <a16:creationId xmlns:a16="http://schemas.microsoft.com/office/drawing/2014/main" id="{E4852FAF-9D70-D4FC-6D62-00C20E67C45D}"/>
+              </a:ext>
+            </a:extLst>
+          </p:cNvPr>
+          <p:cNvSpPr/>
+          <p:nvPr/>
+        </p:nvSpPr>
+        <p:spPr>
+          <a:xfrm rot="17703935">
+            <a:off x="5883538" y="1691338"/>
+            <a:ext cx="231808" cy="338554"/>
+          </a:xfrm>
+          <a:prstGeom prst="rightArrow">
+            <a:avLst>
+              <a:gd name="adj1" fmla="val 46085"/>
+              <a:gd name="adj2" fmla="val 50000"/>
+            </a:avLst>
+          </a:prstGeom>
+          <a:solidFill>
+            <a:schemeClr val="tx1"/>
+          </a:solidFill>
+        </p:spPr>
+        <p:style>
+          <a:lnRef idx="2">
+            <a:schemeClr val="accent1">
+              <a:shade val="15000"/>
+            </a:schemeClr>
+          </a:lnRef>
+          <a:fillRef idx="1">
+            <a:schemeClr val="accent1"/>
+          </a:fillRef>
+          <a:effectRef idx="0">
+            <a:schemeClr val="accent1"/>
+          </a:effectRef>
+          <a:fontRef idx="minor">
+            <a:schemeClr val="lt1"/>
+          </a:fontRef>
+        </p:style>
+        <p:txBody>
+          <a:bodyPr rtlCol="0" anchor="ctr"/>
+          <a:lstStyle/>
+          <a:p>
+            <a:pPr algn="ctr"/>
+            <a:endParaRPr lang="en-US"/>
+          </a:p>
+        </p:txBody>
+      </p:sp>
+    </p:spTree>
+    <p:extLst>
+      <p:ext uri="{BB962C8B-B14F-4D97-AF65-F5344CB8AC3E}">
+        <p14:creationId xmlns:p14="http://schemas.microsoft.com/office/powerpoint/2010/main" val="4105341245"/>
+      </p:ext>
+    </p:extLst>
+  </p:cSld>
+  <p:clrMapOvr>
+    <a:masterClrMapping/>
+  </p:clrMapOvr>
+</p:sld>
+</file>
+
+<file path=ppt/slides/slide4.xml><?xml version="1.0" encoding="utf-8"?>
+<p:sld xmlns:a="http://schemas.openxmlformats.org/drawingml/2006/main" xmlns:r="http://schemas.openxmlformats.org/officeDocument/2006/relationships" xmlns:p="http://schemas.openxmlformats.org/presentationml/2006/main">
+  <p:cSld>
+    <p:spTree>
+      <p:nvGrpSpPr>
+        <p:cNvPr id="1" name=""/>
+        <p:cNvGrpSpPr/>
+        <p:nvPr/>
+      </p:nvGrpSpPr>
+      <p:grpSpPr>
+        <a:xfrm>
+          <a:off x="0" y="0"/>
+          <a:ext cx="0" cy="0"/>
+          <a:chOff x="0" y="0"/>
+          <a:chExt cx="0" cy="0"/>
+        </a:xfrm>
+      </p:grpSpPr>
+      <p:sp>
+        <p:nvSpPr>
+          <p:cNvPr id="2" name="Title 1">
+            <a:extLst>
+              <a:ext uri="{FF2B5EF4-FFF2-40B4-BE49-F238E27FC236}">
+                <a16:creationId xmlns:a16="http://schemas.microsoft.com/office/drawing/2014/main" id="{8323C48F-0E64-AB1C-0BDE-52B8C80ED128}"/>
+              </a:ext>
+            </a:extLst>
+          </p:cNvPr>
+          <p:cNvSpPr>
+            <a:spLocks noGrp="1"/>
+          </p:cNvSpPr>
+          <p:nvPr>
+            <p:ph type="title"/>
+          </p:nvPr>
+        </p:nvSpPr>
+        <p:spPr/>
+        <p:txBody>
+          <a:bodyPr/>
+          <a:lstStyle/>
+          <a:p>
+            <a:r>
+              <a:rPr lang="en-US" dirty="0"/>
+              <a:t>What it is like to be a Data Engineer</a:t>
+            </a:r>
+          </a:p>
+        </p:txBody>
+      </p:sp>
+      <p:pic>
+        <p:nvPicPr>
+          <p:cNvPr id="2050" name="Picture 2" descr="Data Engineer Vs Data Scientist | MCS">
+            <a:extLst>
+              <a:ext uri="{FF2B5EF4-FFF2-40B4-BE49-F238E27FC236}">
+                <a16:creationId xmlns:a16="http://schemas.microsoft.com/office/drawing/2014/main" id="{7B1EAEF4-E04C-8FF3-D9C5-0C60E164616A}"/>
+              </a:ext>
+            </a:extLst>
+          </p:cNvPr>
+          <p:cNvPicPr>
+            <a:picLocks noChangeAspect="1" noChangeArrowheads="1"/>
+          </p:cNvPicPr>
+          <p:nvPr/>
+        </p:nvPicPr>
+        <p:blipFill>
+          <a:blip r:embed="rId2">
+            <a:extLst>
+              <a:ext uri="{28A0092B-C50C-407E-A947-70E740481C1C}">
+                <a14:useLocalDpi xmlns:a14="http://schemas.microsoft.com/office/drawing/2010/main" val="0"/>
+              </a:ext>
+            </a:extLst>
+          </a:blip>
+          <a:srcRect/>
+          <a:stretch>
+            <a:fillRect/>
+          </a:stretch>
+        </p:blipFill>
+        <p:spPr bwMode="auto">
+          <a:xfrm>
+            <a:off x="1152940" y="1690688"/>
+            <a:ext cx="4465983" cy="4465983"/>
+          </a:xfrm>
+          <a:prstGeom prst="rect">
+            <a:avLst/>
+          </a:prstGeom>
+          <a:noFill/>
+          <a:extLst>
+            <a:ext uri="{909E8E84-426E-40DD-AFC4-6F175D3DCCD1}">
+              <a14:hiddenFill xmlns:a14="http://schemas.microsoft.com/office/drawing/2010/main">
+                <a:solidFill>
+                  <a:srgbClr val="FFFFFF"/>
+                </a:solidFill>
+              </a14:hiddenFill>
+            </a:ext>
+          </a:extLst>
+        </p:spPr>
+      </p:pic>
+      <p:pic>
+        <p:nvPicPr>
+          <p:cNvPr id="2052" name="Picture 4" descr="No alt text provided for this image">
+            <a:extLst>
+              <a:ext uri="{FF2B5EF4-FFF2-40B4-BE49-F238E27FC236}">
+                <a16:creationId xmlns:a16="http://schemas.microsoft.com/office/drawing/2014/main" id="{DD6925D4-4844-FA60-79D2-F6E3C9CC3962}"/>
+              </a:ext>
+            </a:extLst>
+          </p:cNvPr>
+          <p:cNvPicPr>
+            <a:picLocks noChangeAspect="1" noChangeArrowheads="1"/>
+          </p:cNvPicPr>
+          <p:nvPr/>
+        </p:nvPicPr>
+        <p:blipFill>
+          <a:blip r:embed="rId3">
+            <a:extLst>
+              <a:ext uri="{28A0092B-C50C-407E-A947-70E740481C1C}">
+                <a14:useLocalDpi xmlns:a14="http://schemas.microsoft.com/office/drawing/2010/main" val="0"/>
+              </a:ext>
+            </a:extLst>
+          </a:blip>
+          <a:srcRect/>
+          <a:stretch>
+            <a:fillRect/>
+          </a:stretch>
+        </p:blipFill>
+        <p:spPr bwMode="auto">
+          <a:xfrm>
+            <a:off x="7190756" y="1690688"/>
+            <a:ext cx="3848304" cy="4560953"/>
+          </a:xfrm>
+          <a:prstGeom prst="rect">
+            <a:avLst/>
+          </a:prstGeom>
+          <a:noFill/>
+          <a:extLst>
+            <a:ext uri="{909E8E84-426E-40DD-AFC4-6F175D3DCCD1}">
+              <a14:hiddenFill xmlns:a14="http://schemas.microsoft.com/office/drawing/2010/main">
+                <a:solidFill>
+                  <a:srgbClr val="FFFFFF"/>
+                </a:solidFill>
+              </a14:hiddenFill>
+            </a:ext>
+          </a:extLst>
+        </p:spPr>
+      </p:pic>
+    </p:spTree>
+    <p:extLst>
+      <p:ext uri="{BB962C8B-B14F-4D97-AF65-F5344CB8AC3E}">
+        <p14:creationId xmlns:p14="http://schemas.microsoft.com/office/powerpoint/2010/main" val="3258973641"/>
+      </p:ext>
+    </p:extLst>
+  </p:cSld>
+  <p:clrMapOvr>
+    <a:masterClrMapping/>
+  </p:clrMapOvr>
+</p:sld>
+</file>
+
+<file path=ppt/slides/slide5.xml><?xml version="1.0" encoding="utf-8"?>
+<p:sld xmlns:a="http://schemas.openxmlformats.org/drawingml/2006/main" xmlns:r="http://schemas.openxmlformats.org/officeDocument/2006/relationships" xmlns:p="http://schemas.openxmlformats.org/presentationml/2006/main">
+  <p:cSld>
+    <p:spTree>
+      <p:nvGrpSpPr>
+        <p:cNvPr id="1" name=""/>
+        <p:cNvGrpSpPr/>
+        <p:nvPr/>
+      </p:nvGrpSpPr>
+      <p:grpSpPr>
+        <a:xfrm>
+          <a:off x="0" y="0"/>
+          <a:ext cx="0" cy="0"/>
+          <a:chOff x="0" y="0"/>
+          <a:chExt cx="0" cy="0"/>
+        </a:xfrm>
+      </p:grpSpPr>
+      <p:sp>
+        <p:nvSpPr>
+          <p:cNvPr id="2" name="Title 1">
+            <a:extLst>
+              <a:ext uri="{FF2B5EF4-FFF2-40B4-BE49-F238E27FC236}">
+                <a16:creationId xmlns:a16="http://schemas.microsoft.com/office/drawing/2014/main" id="{AE0108D6-787E-7281-FC89-1E238EDEDA4C}"/>
+              </a:ext>
+            </a:extLst>
+          </p:cNvPr>
+          <p:cNvSpPr>
+            <a:spLocks noGrp="1"/>
+          </p:cNvSpPr>
+          <p:nvPr>
+            <p:ph type="title"/>
+          </p:nvPr>
+        </p:nvSpPr>
+        <p:spPr/>
+        <p:txBody>
+          <a:bodyPr/>
+          <a:lstStyle/>
+          <a:p>
+            <a:r>
+              <a:rPr lang="en-US" dirty="0"/>
+              <a:t>Career path based on platform of choice</a:t>
+            </a:r>
+          </a:p>
+        </p:txBody>
+      </p:sp>
+      <p:graphicFrame>
+        <p:nvGraphicFramePr>
+          <p:cNvPr id="4" name="Content Placeholder 3">
+            <a:extLst>
+              <a:ext uri="{FF2B5EF4-FFF2-40B4-BE49-F238E27FC236}">
+                <a16:creationId xmlns:a16="http://schemas.microsoft.com/office/drawing/2014/main" id="{E242FCB7-5DD8-27A9-DDFD-77D725B0824B}"/>
+              </a:ext>
+            </a:extLst>
+          </p:cNvPr>
+          <p:cNvGraphicFramePr>
+            <a:graphicFrameLocks noGrp="1"/>
+          </p:cNvGraphicFramePr>
+          <p:nvPr>
+            <p:ph idx="1"/>
+            <p:extLst>
+              <p:ext uri="{D42A27DB-BD31-4B8C-83A1-F6EECF244321}">
+                <p14:modId xmlns:p14="http://schemas.microsoft.com/office/powerpoint/2010/main" val="2445009078"/>
+              </p:ext>
+            </p:extLst>
+          </p:nvPr>
+        </p:nvGraphicFramePr>
+        <p:xfrm>
+          <a:off x="838200" y="1351722"/>
+          <a:ext cx="10515597" cy="4956313"/>
+        </p:xfrm>
+        <a:graphic>
+          <a:graphicData uri="http://schemas.openxmlformats.org/drawingml/2006/table">
+            <a:tbl>
+              <a:tblPr firstRow="1" bandRow="1">
+                <a:tableStyleId>{5C22544A-7EE6-4342-B048-85BDC9FD1C3A}</a:tableStyleId>
+              </a:tblPr>
+              <a:tblGrid>
+                <a:gridCol w="3505199">
+                  <a:extLst>
+                    <a:ext uri="{9D8B030D-6E8A-4147-A177-3AD203B41FA5}">
+                      <a16:colId xmlns:a16="http://schemas.microsoft.com/office/drawing/2014/main" val="4138730931"/>
+                    </a:ext>
+                  </a:extLst>
+                </a:gridCol>
+                <a:gridCol w="3505199">
+                  <a:extLst>
+                    <a:ext uri="{9D8B030D-6E8A-4147-A177-3AD203B41FA5}">
+                      <a16:colId xmlns:a16="http://schemas.microsoft.com/office/drawing/2014/main" val="553728112"/>
+                    </a:ext>
+                  </a:extLst>
+                </a:gridCol>
+                <a:gridCol w="3505199">
+                  <a:extLst>
+                    <a:ext uri="{9D8B030D-6E8A-4147-A177-3AD203B41FA5}">
+                      <a16:colId xmlns:a16="http://schemas.microsoft.com/office/drawing/2014/main" val="3442242584"/>
+                    </a:ext>
+                  </a:extLst>
+                </a:gridCol>
+              </a:tblGrid>
+              <a:tr h="874094">
+                <a:tc>
+                  <a:txBody>
+                    <a:bodyPr/>
+                    <a:lstStyle/>
+                    <a:p>
+                      <a:pPr algn="ctr"/>
+                      <a:r>
+                        <a:rPr lang="en-US" dirty="0"/>
+                        <a:t>Azure</a:t>
+                      </a:r>
+                    </a:p>
+                  </a:txBody>
+                  <a:tcPr/>
+                </a:tc>
+                <a:tc>
+                  <a:txBody>
+                    <a:bodyPr/>
+                    <a:lstStyle/>
+                    <a:p>
+                      <a:pPr algn="ctr"/>
+                      <a:r>
+                        <a:rPr lang="en-US" dirty="0"/>
+                        <a:t>Amazon Web Services</a:t>
+                      </a:r>
+                    </a:p>
+                  </a:txBody>
+                  <a:tcPr/>
+                </a:tc>
+                <a:tc>
+                  <a:txBody>
+                    <a:bodyPr/>
+                    <a:lstStyle/>
+                    <a:p>
+                      <a:pPr algn="ctr"/>
+                      <a:r>
+                        <a:rPr lang="en-US" dirty="0"/>
+                        <a:t>Google Cloud Platform</a:t>
+                      </a:r>
+                    </a:p>
+                  </a:txBody>
+                  <a:tcPr/>
+                </a:tc>
+                <a:extLst>
+                  <a:ext uri="{0D108BD9-81ED-4DB2-BD59-A6C34878D82A}">
+                    <a16:rowId xmlns:a16="http://schemas.microsoft.com/office/drawing/2014/main" val="3994727914"/>
+                  </a:ext>
+                </a:extLst>
+              </a:tr>
+              <a:tr h="4082219">
+                <a:tc>
+                  <a:txBody>
+                    <a:bodyPr/>
+                    <a:lstStyle/>
+                    <a:p>
+                      <a:r>
+                        <a:rPr lang="en-US" dirty="0"/>
+                        <a:t>🔵</a:t>
+                      </a:r>
+                    </a:p>
+                  </a:txBody>
+                  <a:tcPr/>
+                </a:tc>
+                <a:tc>
+                  <a:txBody>
+                    <a:bodyPr/>
+                    <a:lstStyle/>
+                    <a:p>
+                      <a:r>
+                        <a:rPr lang="en-US" dirty="0"/>
+                        <a:t>🟠 AWS Certified Cloud Practitioner (CLF-C02)*</a:t>
+                      </a:r>
+                    </a:p>
+                    <a:p>
+                      <a:r>
+                        <a:rPr lang="en-US" dirty="0"/>
+                        <a:t>🟠 AWS Certified Data Analytics- Specialty (DAS-C01)</a:t>
+                      </a:r>
+                    </a:p>
+                    <a:p>
+                      <a:r>
+                        <a:rPr lang="en-US" dirty="0"/>
+                        <a:t>🟠 AWS Certified Solutions Architect- Associate (SAA-C03)*</a:t>
+                      </a:r>
+                    </a:p>
+                    <a:p>
+                      <a:r>
+                        <a:rPr lang="en-US" dirty="0"/>
+                        <a:t>🟠 AWS Certified Machine Learning- Specialty(MLS-C01)</a:t>
+                      </a:r>
+                    </a:p>
+                    <a:p>
+                      <a:r>
+                        <a:rPr lang="en-US" dirty="0"/>
+                        <a:t>🟠 AWS Certified Big Data- Specialty **</a:t>
+                      </a:r>
+                    </a:p>
+                  </a:txBody>
+                  <a:tcPr/>
+                </a:tc>
+                <a:tc>
+                  <a:txBody>
+                    <a:bodyPr/>
+                    <a:lstStyle/>
+                    <a:p>
+                      <a:r>
+                        <a:rPr lang="en-US" dirty="0"/>
+                        <a:t>🟡 Google Associate Cloud Engineer *</a:t>
+                      </a:r>
+                    </a:p>
+                    <a:p>
+                      <a:r>
+                        <a:rPr lang="en-US" dirty="0"/>
+                        <a:t>🟡 Google Professional Data Engineer (PDE)</a:t>
+                      </a:r>
+                    </a:p>
+                    <a:p>
+                      <a:r>
+                        <a:rPr lang="en-US" dirty="0"/>
+                        <a:t>🟡 Google Professional Machine </a:t>
+                      </a:r>
+                      <a:r>
+                        <a:rPr lang="en-US"/>
+                        <a:t>Learning Engineer</a:t>
+                      </a:r>
+                      <a:endParaRPr lang="en-US" dirty="0"/>
+                    </a:p>
+                  </a:txBody>
+                  <a:tcPr/>
+                </a:tc>
+                <a:extLst>
+                  <a:ext uri="{0D108BD9-81ED-4DB2-BD59-A6C34878D82A}">
+                    <a16:rowId xmlns:a16="http://schemas.microsoft.com/office/drawing/2014/main" val="2450626257"/>
+                  </a:ext>
+                </a:extLst>
+              </a:tr>
+            </a:tbl>
+          </a:graphicData>
+        </a:graphic>
+      </p:graphicFrame>
+      <p:sp>
+        <p:nvSpPr>
+          <p:cNvPr id="5" name="TextBox 4">
+            <a:extLst>
+              <a:ext uri="{FF2B5EF4-FFF2-40B4-BE49-F238E27FC236}">
+                <a16:creationId xmlns:a16="http://schemas.microsoft.com/office/drawing/2014/main" id="{C473438A-DCF3-2ECB-6E53-C62979F9C576}"/>
+              </a:ext>
+            </a:extLst>
+          </p:cNvPr>
+          <p:cNvSpPr txBox="1"/>
+          <p:nvPr/>
+        </p:nvSpPr>
+        <p:spPr>
+          <a:xfrm>
+            <a:off x="838200" y="6373846"/>
+            <a:ext cx="10873409" cy="523220"/>
+          </a:xfrm>
+          <a:prstGeom prst="rect">
+            <a:avLst/>
+          </a:prstGeom>
+          <a:noFill/>
+        </p:spPr>
+        <p:txBody>
+          <a:bodyPr wrap="square" rtlCol="0">
+            <a:spAutoFit/>
+          </a:bodyPr>
+          <a:lstStyle/>
+          <a:p>
+            <a:r>
+              <a:rPr lang="en-US" sz="1400" dirty="0"/>
+              <a:t>* Indicates these certificate are optional and are not mandatory but are good to have skills based on certification</a:t>
+            </a:r>
+          </a:p>
+          <a:p>
+            <a:r>
+              <a:rPr lang="en-US" sz="1400" dirty="0"/>
+              <a:t>** Indicates the certification is either deprecated or is phased out for something newer</a:t>
+            </a:r>
+          </a:p>
+        </p:txBody>
+      </p:sp>
+    </p:spTree>
+    <p:extLst>
+      <p:ext uri="{BB962C8B-B14F-4D97-AF65-F5344CB8AC3E}">
+        <p14:creationId xmlns:p14="http://schemas.microsoft.com/office/powerpoint/2010/main" val="1400143228"/>
       </p:ext>
     </p:extLst>
   </p:cSld>
